--- a/Week-1/Day-3/Backend - Day 3 - Introduction to Databases (NoSQL).pptx
+++ b/Week-1/Day-3/Backend - Day 3 - Introduction to Databases (NoSQL).pptx
@@ -32,23 +32,25 @@
     <p:sldId id="277" r:id="rId27"/>
     <p:sldId id="278" r:id="rId28"/>
     <p:sldId id="279" r:id="rId29"/>
+    <p:sldId id="280" r:id="rId30"/>
+    <p:sldId id="281" r:id="rId31"/>
   </p:sldIdLst>
   <p:sldSz cy="5143500" cx="9144000"/>
   <p:notesSz cx="6858000" cy="9144000"/>
   <p:embeddedFontLst>
     <p:embeddedFont>
       <p:font typeface="Plus Jakarta Sans"/>
-      <p:regular r:id="rId30"/>
-      <p:bold r:id="rId31"/>
-      <p:italic r:id="rId32"/>
-      <p:boldItalic r:id="rId33"/>
+      <p:regular r:id="rId32"/>
+      <p:bold r:id="rId33"/>
+      <p:italic r:id="rId34"/>
+      <p:boldItalic r:id="rId35"/>
     </p:embeddedFont>
     <p:embeddedFont>
       <p:font typeface="Montserrat"/>
-      <p:regular r:id="rId34"/>
-      <p:bold r:id="rId35"/>
-      <p:italic r:id="rId36"/>
-      <p:boldItalic r:id="rId37"/>
+      <p:regular r:id="rId36"/>
+      <p:bold r:id="rId37"/>
+      <p:italic r:id="rId38"/>
+      <p:boldItalic r:id="rId39"/>
     </p:embeddedFont>
   </p:embeddedFontLst>
   <p:defaultTextStyle>
@@ -296,7 +298,7 @@
       </p15:sldGuideLst>
     </p:ext>
     <p:ext uri="GoogleSlidesCustomDataVersion2">
-      <go:slidesCustomData xmlns:go="http://customooxmlschemas.google.com/" r:id="rId38" roundtripDataSignature="AMtx7mg/0HHb2QNuQeNOwW4d0QWBXoQfrA=="/>
+      <go:slidesCustomData xmlns:go="http://customooxmlschemas.google.com/" r:id="rId40" roundtripDataSignature="AMtx7mhIX7ySATRLySFyl/VZWfG6JiXlsg=="/>
     </p:ext>
   </p:extLst>
 </p:presentation>
@@ -1670,7 +1672,7 @@
       </p:grpSpPr>
       <p:sp>
         <p:nvSpPr>
-          <p:cNvPr id="132" name="Google Shape;132;g24b59ea4641_0_78:notes"/>
+          <p:cNvPr id="132" name="Google Shape;132;g24b62cf844a_0_6:notes"/>
           <p:cNvSpPr/>
           <p:nvPr>
             <p:ph idx="2" type="sldImg"/>
@@ -1715,7 +1717,7 @@
       </p:sp>
       <p:sp>
         <p:nvSpPr>
-          <p:cNvPr id="133" name="Google Shape;133;g24b59ea4641_0_78:notes"/>
+          <p:cNvPr id="133" name="Google Shape;133;g24b62cf844a_0_6:notes"/>
           <p:cNvSpPr txBox="1"/>
           <p:nvPr>
             <p:ph idx="1" type="body"/>
@@ -1773,7 +1775,7 @@
   <p:cSld>
     <p:spTree>
       <p:nvGrpSpPr>
-        <p:cNvPr id="137" name="Shape 137"/>
+        <p:cNvPr id="138" name="Shape 138"/>
         <p:cNvGrpSpPr/>
         <p:nvPr/>
       </p:nvGrpSpPr>
@@ -1787,7 +1789,7 @@
       </p:grpSpPr>
       <p:sp>
         <p:nvSpPr>
-          <p:cNvPr id="138" name="Google Shape;138;g24b59ea4641_0_85:notes"/>
+          <p:cNvPr id="139" name="Google Shape;139;g24b62cf844a_0_11:notes"/>
           <p:cNvSpPr/>
           <p:nvPr>
             <p:ph idx="2" type="sldImg"/>
@@ -1832,7 +1834,7 @@
       </p:sp>
       <p:sp>
         <p:nvSpPr>
-          <p:cNvPr id="139" name="Google Shape;139;g24b59ea4641_0_85:notes"/>
+          <p:cNvPr id="140" name="Google Shape;140;g24b62cf844a_0_11:notes"/>
           <p:cNvSpPr txBox="1"/>
           <p:nvPr>
             <p:ph idx="1" type="body"/>
@@ -1890,7 +1892,7 @@
   <p:cSld>
     <p:spTree>
       <p:nvGrpSpPr>
-        <p:cNvPr id="143" name="Shape 143"/>
+        <p:cNvPr id="144" name="Shape 144"/>
         <p:cNvGrpSpPr/>
         <p:nvPr/>
       </p:nvGrpSpPr>
@@ -1904,7 +1906,7 @@
       </p:grpSpPr>
       <p:sp>
         <p:nvSpPr>
-          <p:cNvPr id="144" name="Google Shape;144;g24b59ea4641_0_92:notes"/>
+          <p:cNvPr id="145" name="Google Shape;145;g24b59ea4641_0_78:notes"/>
           <p:cNvSpPr/>
           <p:nvPr>
             <p:ph idx="2" type="sldImg"/>
@@ -1949,7 +1951,7 @@
       </p:sp>
       <p:sp>
         <p:nvSpPr>
-          <p:cNvPr id="145" name="Google Shape;145;g24b59ea4641_0_92:notes"/>
+          <p:cNvPr id="146" name="Google Shape;146;g24b59ea4641_0_78:notes"/>
           <p:cNvSpPr txBox="1"/>
           <p:nvPr>
             <p:ph idx="1" type="body"/>
@@ -2007,7 +2009,7 @@
   <p:cSld>
     <p:spTree>
       <p:nvGrpSpPr>
-        <p:cNvPr id="149" name="Shape 149"/>
+        <p:cNvPr id="150" name="Shape 150"/>
         <p:cNvGrpSpPr/>
         <p:nvPr/>
       </p:nvGrpSpPr>
@@ -2021,7 +2023,7 @@
       </p:grpSpPr>
       <p:sp>
         <p:nvSpPr>
-          <p:cNvPr id="150" name="Google Shape;150;g24b59ea4641_0_99:notes"/>
+          <p:cNvPr id="151" name="Google Shape;151;g24b59ea4641_0_85:notes"/>
           <p:cNvSpPr/>
           <p:nvPr>
             <p:ph idx="2" type="sldImg"/>
@@ -2066,7 +2068,7 @@
       </p:sp>
       <p:sp>
         <p:nvSpPr>
-          <p:cNvPr id="151" name="Google Shape;151;g24b59ea4641_0_99:notes"/>
+          <p:cNvPr id="152" name="Google Shape;152;g24b59ea4641_0_85:notes"/>
           <p:cNvSpPr txBox="1"/>
           <p:nvPr>
             <p:ph idx="1" type="body"/>
@@ -2124,7 +2126,7 @@
   <p:cSld>
     <p:spTree>
       <p:nvGrpSpPr>
-        <p:cNvPr id="155" name="Shape 155"/>
+        <p:cNvPr id="156" name="Shape 156"/>
         <p:cNvGrpSpPr/>
         <p:nvPr/>
       </p:nvGrpSpPr>
@@ -2138,7 +2140,7 @@
       </p:grpSpPr>
       <p:sp>
         <p:nvSpPr>
-          <p:cNvPr id="156" name="Google Shape;156;g24b59ea4641_0_106:notes"/>
+          <p:cNvPr id="157" name="Google Shape;157;g24b59ea4641_0_92:notes"/>
           <p:cNvSpPr/>
           <p:nvPr>
             <p:ph idx="2" type="sldImg"/>
@@ -2183,7 +2185,7 @@
       </p:sp>
       <p:sp>
         <p:nvSpPr>
-          <p:cNvPr id="157" name="Google Shape;157;g24b59ea4641_0_106:notes"/>
+          <p:cNvPr id="158" name="Google Shape;158;g24b59ea4641_0_92:notes"/>
           <p:cNvSpPr txBox="1"/>
           <p:nvPr>
             <p:ph idx="1" type="body"/>
@@ -2358,7 +2360,7 @@
   <p:cSld>
     <p:spTree>
       <p:nvGrpSpPr>
-        <p:cNvPr id="165" name="Shape 165"/>
+        <p:cNvPr id="162" name="Shape 162"/>
         <p:cNvGrpSpPr/>
         <p:nvPr/>
       </p:nvGrpSpPr>
@@ -2372,7 +2374,7 @@
       </p:grpSpPr>
       <p:sp>
         <p:nvSpPr>
-          <p:cNvPr id="166" name="Google Shape;166;p37:notes"/>
+          <p:cNvPr id="163" name="Google Shape;163;g24b59ea4641_0_99:notes"/>
           <p:cNvSpPr/>
           <p:nvPr>
             <p:ph idx="2" type="sldImg"/>
@@ -2417,7 +2419,7 @@
       </p:sp>
       <p:sp>
         <p:nvSpPr>
-          <p:cNvPr id="167" name="Google Shape;167;p37:notes"/>
+          <p:cNvPr id="164" name="Google Shape;164;g24b59ea4641_0_99:notes"/>
           <p:cNvSpPr txBox="1"/>
           <p:nvPr>
             <p:ph idx="1" type="body"/>
@@ -2475,7 +2477,7 @@
   <p:cSld>
     <p:spTree>
       <p:nvGrpSpPr>
-        <p:cNvPr id="170" name="Shape 170"/>
+        <p:cNvPr id="168" name="Shape 168"/>
         <p:cNvGrpSpPr/>
         <p:nvPr/>
       </p:nvGrpSpPr>
@@ -2489,7 +2491,7 @@
       </p:grpSpPr>
       <p:sp>
         <p:nvSpPr>
-          <p:cNvPr id="171" name="Google Shape;171;p38:notes"/>
+          <p:cNvPr id="169" name="Google Shape;169;g24b59ea4641_0_106:notes"/>
           <p:cNvSpPr/>
           <p:nvPr>
             <p:ph idx="2" type="sldImg"/>
@@ -2534,7 +2536,7 @@
       </p:sp>
       <p:sp>
         <p:nvSpPr>
-          <p:cNvPr id="172" name="Google Shape;172;p38:notes"/>
+          <p:cNvPr id="170" name="Google Shape;170;g24b59ea4641_0_106:notes"/>
           <p:cNvSpPr txBox="1"/>
           <p:nvPr>
             <p:ph idx="1" type="body"/>
@@ -2592,7 +2594,7 @@
   <p:cSld>
     <p:spTree>
       <p:nvGrpSpPr>
-        <p:cNvPr id="175" name="Shape 175"/>
+        <p:cNvPr id="178" name="Shape 178"/>
         <p:cNvGrpSpPr/>
         <p:nvPr/>
       </p:nvGrpSpPr>
@@ -2606,7 +2608,7 @@
       </p:grpSpPr>
       <p:sp>
         <p:nvSpPr>
-          <p:cNvPr id="176" name="Google Shape;176;p39:notes"/>
+          <p:cNvPr id="179" name="Google Shape;179;p37:notes"/>
           <p:cNvSpPr/>
           <p:nvPr>
             <p:ph idx="2" type="sldImg"/>
@@ -2651,7 +2653,7 @@
       </p:sp>
       <p:sp>
         <p:nvSpPr>
-          <p:cNvPr id="177" name="Google Shape;177;p39:notes"/>
+          <p:cNvPr id="180" name="Google Shape;180;p37:notes"/>
           <p:cNvSpPr txBox="1"/>
           <p:nvPr>
             <p:ph idx="1" type="body"/>
@@ -2709,7 +2711,7 @@
   <p:cSld>
     <p:spTree>
       <p:nvGrpSpPr>
-        <p:cNvPr id="180" name="Shape 180"/>
+        <p:cNvPr id="183" name="Shape 183"/>
         <p:cNvGrpSpPr/>
         <p:nvPr/>
       </p:nvGrpSpPr>
@@ -2723,7 +2725,7 @@
       </p:grpSpPr>
       <p:sp>
         <p:nvSpPr>
-          <p:cNvPr id="181" name="Google Shape;181;p40:notes"/>
+          <p:cNvPr id="184" name="Google Shape;184;p38:notes"/>
           <p:cNvSpPr/>
           <p:nvPr>
             <p:ph idx="2" type="sldImg"/>
@@ -2768,7 +2770,7 @@
       </p:sp>
       <p:sp>
         <p:nvSpPr>
-          <p:cNvPr id="182" name="Google Shape;182;p40:notes"/>
+          <p:cNvPr id="185" name="Google Shape;185;p38:notes"/>
           <p:cNvSpPr txBox="1"/>
           <p:nvPr>
             <p:ph idx="1" type="body"/>
@@ -2826,7 +2828,7 @@
   <p:cSld>
     <p:spTree>
       <p:nvGrpSpPr>
-        <p:cNvPr id="186" name="Shape 186"/>
+        <p:cNvPr id="188" name="Shape 188"/>
         <p:cNvGrpSpPr/>
         <p:nvPr/>
       </p:nvGrpSpPr>
@@ -2840,7 +2842,7 @@
       </p:grpSpPr>
       <p:sp>
         <p:nvSpPr>
-          <p:cNvPr id="187" name="Google Shape;187;p41:notes"/>
+          <p:cNvPr id="189" name="Google Shape;189;p39:notes"/>
           <p:cNvSpPr/>
           <p:nvPr>
             <p:ph idx="2" type="sldImg"/>
@@ -2885,7 +2887,241 @@
       </p:sp>
       <p:sp>
         <p:nvSpPr>
-          <p:cNvPr id="188" name="Google Shape;188;p41:notes"/>
+          <p:cNvPr id="190" name="Google Shape;190;p39:notes"/>
+          <p:cNvSpPr txBox="1"/>
+          <p:nvPr>
+            <p:ph idx="1" type="body"/>
+          </p:nvPr>
+        </p:nvSpPr>
+        <p:spPr>
+          <a:xfrm>
+            <a:off x="685800" y="4343400"/>
+            <a:ext cx="5486400" cy="4114800"/>
+          </a:xfrm>
+          <a:prstGeom prst="rect">
+            <a:avLst/>
+          </a:prstGeom>
+          <a:noFill/>
+          <a:ln>
+            <a:noFill/>
+          </a:ln>
+        </p:spPr>
+        <p:txBody>
+          <a:bodyPr anchorCtr="0" anchor="t" bIns="91425" lIns="91425" spcFirstLastPara="1" rIns="91425" wrap="square" tIns="91425">
+            <a:noAutofit/>
+          </a:bodyPr>
+          <a:lstStyle/>
+          <a:p>
+            <a:pPr indent="0" lvl="0" marL="0" rtl="0" algn="l">
+              <a:lnSpc>
+                <a:spcPct val="100000"/>
+              </a:lnSpc>
+              <a:spcBef>
+                <a:spcPts val="0"/>
+              </a:spcBef>
+              <a:spcAft>
+                <a:spcPts val="0"/>
+              </a:spcAft>
+              <a:buSzPts val="1100"/>
+              <a:buNone/>
+            </a:pPr>
+            <a:r>
+              <a:t/>
+            </a:r>
+            <a:endParaRPr/>
+          </a:p>
+        </p:txBody>
+      </p:sp>
+    </p:spTree>
+  </p:cSld>
+  <p:clrMapOvr>
+    <a:masterClrMapping/>
+  </p:clrMapOvr>
+</p:notes>
+</file>
+
+<file path=ppt/notesSlides/notesSlide25.xml><?xml version="1.0" encoding="utf-8"?>
+<p:notes xmlns:a="http://schemas.openxmlformats.org/drawingml/2006/main" xmlns:r="http://schemas.openxmlformats.org/officeDocument/2006/relationships" xmlns:mc="http://schemas.openxmlformats.org/markup-compatibility/2006" xmlns:mv="urn:schemas-microsoft-com:mac:vml" xmlns:p="http://schemas.openxmlformats.org/presentationml/2006/main" xmlns:c="http://schemas.openxmlformats.org/drawingml/2006/chart" xmlns:dgm="http://schemas.openxmlformats.org/drawingml/2006/diagram" xmlns:o="urn:schemas-microsoft-com:office:office" xmlns:v="urn:schemas-microsoft-com:vml" xmlns:pvml="urn:schemas-microsoft-com:office:powerpoint" xmlns:com="http://schemas.openxmlformats.org/drawingml/2006/compatibility" xmlns:p14="http://schemas.microsoft.com/office/powerpoint/2010/main" xmlns:p15="http://schemas.microsoft.com/office/powerpoint/2012/main" xmlns:ahyp="http://schemas.microsoft.com/office/drawing/2018/hyperlinkcolor" showMasterPhAnim="0" showMasterSp="0">
+  <p:cSld>
+    <p:spTree>
+      <p:nvGrpSpPr>
+        <p:cNvPr id="193" name="Shape 193"/>
+        <p:cNvGrpSpPr/>
+        <p:nvPr/>
+      </p:nvGrpSpPr>
+      <p:grpSpPr>
+        <a:xfrm>
+          <a:off x="0" y="0"/>
+          <a:ext cx="0" cy="0"/>
+          <a:chOff x="0" y="0"/>
+          <a:chExt cx="0" cy="0"/>
+        </a:xfrm>
+      </p:grpSpPr>
+      <p:sp>
+        <p:nvSpPr>
+          <p:cNvPr id="194" name="Google Shape;194;p40:notes"/>
+          <p:cNvSpPr/>
+          <p:nvPr>
+            <p:ph idx="2" type="sldImg"/>
+          </p:nvPr>
+        </p:nvSpPr>
+        <p:spPr>
+          <a:xfrm>
+            <a:off x="381300" y="685800"/>
+            <a:ext cx="6096000" cy="3429000"/>
+          </a:xfrm>
+          <a:custGeom>
+            <a:rect b="b" l="l" r="r" t="t"/>
+            <a:pathLst>
+              <a:path extrusionOk="0" h="120000" w="120000">
+                <a:moveTo>
+                  <a:pt x="0" y="0"/>
+                </a:moveTo>
+                <a:lnTo>
+                  <a:pt x="120000" y="0"/>
+                </a:lnTo>
+                <a:lnTo>
+                  <a:pt x="120000" y="120000"/>
+                </a:lnTo>
+                <a:lnTo>
+                  <a:pt x="0" y="120000"/>
+                </a:lnTo>
+                <a:close/>
+              </a:path>
+            </a:pathLst>
+          </a:custGeom>
+          <a:noFill/>
+          <a:ln cap="flat" cmpd="sng" w="9525">
+            <a:solidFill>
+              <a:srgbClr val="000000"/>
+            </a:solidFill>
+            <a:prstDash val="solid"/>
+            <a:round/>
+            <a:headEnd len="sm" w="sm" type="none"/>
+            <a:tailEnd len="sm" w="sm" type="none"/>
+          </a:ln>
+        </p:spPr>
+      </p:sp>
+      <p:sp>
+        <p:nvSpPr>
+          <p:cNvPr id="195" name="Google Shape;195;p40:notes"/>
+          <p:cNvSpPr txBox="1"/>
+          <p:nvPr>
+            <p:ph idx="1" type="body"/>
+          </p:nvPr>
+        </p:nvSpPr>
+        <p:spPr>
+          <a:xfrm>
+            <a:off x="685800" y="4343400"/>
+            <a:ext cx="5486400" cy="4114800"/>
+          </a:xfrm>
+          <a:prstGeom prst="rect">
+            <a:avLst/>
+          </a:prstGeom>
+          <a:noFill/>
+          <a:ln>
+            <a:noFill/>
+          </a:ln>
+        </p:spPr>
+        <p:txBody>
+          <a:bodyPr anchorCtr="0" anchor="t" bIns="91425" lIns="91425" spcFirstLastPara="1" rIns="91425" wrap="square" tIns="91425">
+            <a:noAutofit/>
+          </a:bodyPr>
+          <a:lstStyle/>
+          <a:p>
+            <a:pPr indent="0" lvl="0" marL="0" rtl="0" algn="l">
+              <a:lnSpc>
+                <a:spcPct val="100000"/>
+              </a:lnSpc>
+              <a:spcBef>
+                <a:spcPts val="0"/>
+              </a:spcBef>
+              <a:spcAft>
+                <a:spcPts val="0"/>
+              </a:spcAft>
+              <a:buSzPts val="1100"/>
+              <a:buNone/>
+            </a:pPr>
+            <a:r>
+              <a:t/>
+            </a:r>
+            <a:endParaRPr/>
+          </a:p>
+        </p:txBody>
+      </p:sp>
+    </p:spTree>
+  </p:cSld>
+  <p:clrMapOvr>
+    <a:masterClrMapping/>
+  </p:clrMapOvr>
+</p:notes>
+</file>
+
+<file path=ppt/notesSlides/notesSlide26.xml><?xml version="1.0" encoding="utf-8"?>
+<p:notes xmlns:a="http://schemas.openxmlformats.org/drawingml/2006/main" xmlns:r="http://schemas.openxmlformats.org/officeDocument/2006/relationships" xmlns:mc="http://schemas.openxmlformats.org/markup-compatibility/2006" xmlns:mv="urn:schemas-microsoft-com:mac:vml" xmlns:p="http://schemas.openxmlformats.org/presentationml/2006/main" xmlns:c="http://schemas.openxmlformats.org/drawingml/2006/chart" xmlns:dgm="http://schemas.openxmlformats.org/drawingml/2006/diagram" xmlns:o="urn:schemas-microsoft-com:office:office" xmlns:v="urn:schemas-microsoft-com:vml" xmlns:pvml="urn:schemas-microsoft-com:office:powerpoint" xmlns:com="http://schemas.openxmlformats.org/drawingml/2006/compatibility" xmlns:p14="http://schemas.microsoft.com/office/powerpoint/2010/main" xmlns:p15="http://schemas.microsoft.com/office/powerpoint/2012/main" xmlns:ahyp="http://schemas.microsoft.com/office/drawing/2018/hyperlinkcolor" showMasterPhAnim="0" showMasterSp="0">
+  <p:cSld>
+    <p:spTree>
+      <p:nvGrpSpPr>
+        <p:cNvPr id="199" name="Shape 199"/>
+        <p:cNvGrpSpPr/>
+        <p:nvPr/>
+      </p:nvGrpSpPr>
+      <p:grpSpPr>
+        <a:xfrm>
+          <a:off x="0" y="0"/>
+          <a:ext cx="0" cy="0"/>
+          <a:chOff x="0" y="0"/>
+          <a:chExt cx="0" cy="0"/>
+        </a:xfrm>
+      </p:grpSpPr>
+      <p:sp>
+        <p:nvSpPr>
+          <p:cNvPr id="200" name="Google Shape;200;p41:notes"/>
+          <p:cNvSpPr/>
+          <p:nvPr>
+            <p:ph idx="2" type="sldImg"/>
+          </p:nvPr>
+        </p:nvSpPr>
+        <p:spPr>
+          <a:xfrm>
+            <a:off x="381300" y="685800"/>
+            <a:ext cx="6096000" cy="3429000"/>
+          </a:xfrm>
+          <a:custGeom>
+            <a:rect b="b" l="l" r="r" t="t"/>
+            <a:pathLst>
+              <a:path extrusionOk="0" h="120000" w="120000">
+                <a:moveTo>
+                  <a:pt x="0" y="0"/>
+                </a:moveTo>
+                <a:lnTo>
+                  <a:pt x="120000" y="0"/>
+                </a:lnTo>
+                <a:lnTo>
+                  <a:pt x="120000" y="120000"/>
+                </a:lnTo>
+                <a:lnTo>
+                  <a:pt x="0" y="120000"/>
+                </a:lnTo>
+                <a:close/>
+              </a:path>
+            </a:pathLst>
+          </a:custGeom>
+          <a:noFill/>
+          <a:ln cap="flat" cmpd="sng" w="9525">
+            <a:solidFill>
+              <a:srgbClr val="000000"/>
+            </a:solidFill>
+            <a:prstDash val="solid"/>
+            <a:round/>
+            <a:headEnd len="sm" w="sm" type="none"/>
+            <a:tailEnd len="sm" w="sm" type="none"/>
+          </a:ln>
+        </p:spPr>
+      </p:sp>
+      <p:sp>
+        <p:nvSpPr>
+          <p:cNvPr id="201" name="Google Shape;201;p41:notes"/>
           <p:cNvSpPr txBox="1"/>
           <p:nvPr>
             <p:ph idx="1" type="body"/>
@@ -10053,9 +10289,6 @@
           <a:lstStyle/>
           <a:p>
             <a:pPr indent="-317500" lvl="0" marL="457200" rtl="0" algn="l">
-              <a:lnSpc>
-                <a:spcPct val="100000"/>
-              </a:lnSpc>
               <a:spcBef>
                 <a:spcPts val="0"/>
               </a:spcBef>
@@ -10073,9 +10306,6 @@
           </a:p>
           <a:p>
             <a:pPr indent="0" lvl="0" marL="0" rtl="0" algn="l">
-              <a:lnSpc>
-                <a:spcPct val="100000"/>
-              </a:lnSpc>
               <a:spcBef>
                 <a:spcPts val="0"/>
               </a:spcBef>
@@ -10091,9 +10321,6 @@
           </a:p>
           <a:p>
             <a:pPr indent="-317500" lvl="0" marL="457200" rtl="0" algn="l">
-              <a:lnSpc>
-                <a:spcPct val="100000"/>
-              </a:lnSpc>
               <a:spcBef>
                 <a:spcPts val="0"/>
               </a:spcBef>
@@ -10111,36 +10338,18 @@
           </a:p>
           <a:p>
             <a:pPr indent="0" lvl="0" marL="0" rtl="0" algn="l">
-              <a:lnSpc>
-                <a:spcPct val="100000"/>
-              </a:lnSpc>
-              <a:spcBef>
-                <a:spcPts val="0"/>
-              </a:spcBef>
-              <a:spcAft>
-                <a:spcPts val="0"/>
-              </a:spcAft>
-              <a:buNone/>
-            </a:pPr>
-            <a:r>
-              <a:t/>
-            </a:r>
-            <a:endParaRPr/>
-          </a:p>
-          <a:p>
-            <a:pPr indent="-317500" lvl="0" marL="457200" rtl="0" algn="l">
-              <a:lnSpc>
-                <a:spcPct val="100000"/>
-              </a:lnSpc>
-              <a:spcBef>
-                <a:spcPts val="0"/>
-              </a:spcBef>
-              <a:spcAft>
-                <a:spcPts val="0"/>
-              </a:spcAft>
-              <a:buSzPts val="1400"/>
-              <a:buAutoNum type="arabicPeriod"/>
-            </a:pPr>
+              <a:spcBef>
+                <a:spcPts val="0"/>
+              </a:spcBef>
+              <a:spcAft>
+                <a:spcPts val="0"/>
+              </a:spcAft>
+              <a:buNone/>
+            </a:pPr>
+            <a:r>
+              <a:rPr lang="en-GB"/>
+              <a:t>	</a:t>
+            </a:r>
             <a:r>
               <a:rPr lang="en-GB">
                 <a:highlight>
@@ -10157,9 +10366,6 @@
           </a:p>
           <a:p>
             <a:pPr indent="0" lvl="0" marL="0" rtl="0" algn="l">
-              <a:lnSpc>
-                <a:spcPct val="100000"/>
-              </a:lnSpc>
               <a:spcBef>
                 <a:spcPts val="0"/>
               </a:spcBef>
@@ -10170,19 +10376,12 @@
             </a:pPr>
             <a:r>
               <a:rPr lang="en-GB"/>
-              <a:t>	(</a:t>
-            </a:r>
-            <a:r>
-              <a:rPr lang="en-GB"/>
-              <a:t>If you encounter any permissions error, use sudo before the command (only for Linux and Mac).</a:t>
+              <a:t>	(If you encounter any permissions error, use sudo before the command (only for Linux and Mac).</a:t>
             </a:r>
             <a:endParaRPr/>
           </a:p>
           <a:p>
             <a:pPr indent="0" lvl="0" marL="0" rtl="0" algn="l">
-              <a:lnSpc>
-                <a:spcPct val="100000"/>
-              </a:lnSpc>
               <a:spcBef>
                 <a:spcPts val="0"/>
               </a:spcBef>
@@ -10198,9 +10397,6 @@
           </a:p>
           <a:p>
             <a:pPr indent="-317500" lvl="0" marL="457200" rtl="0" algn="l">
-              <a:lnSpc>
-                <a:spcPct val="100000"/>
-              </a:lnSpc>
               <a:spcBef>
                 <a:spcPts val="0"/>
               </a:spcBef>
@@ -10218,9 +10414,6 @@
           </a:p>
           <a:p>
             <a:pPr indent="0" lvl="0" marL="0" rtl="0" algn="l">
-              <a:lnSpc>
-                <a:spcPct val="100000"/>
-              </a:lnSpc>
               <a:spcBef>
                 <a:spcPts val="0"/>
               </a:spcBef>
@@ -10249,9 +10442,6 @@
           </a:p>
           <a:p>
             <a:pPr indent="0" lvl="0" marL="0" rtl="0" algn="l">
-              <a:lnSpc>
-                <a:spcPct val="100000"/>
-              </a:lnSpc>
               <a:spcBef>
                 <a:spcPts val="0"/>
               </a:spcBef>
@@ -10268,9 +10458,6 @@
           </a:p>
           <a:p>
             <a:pPr indent="0" lvl="0" marL="0" rtl="0" algn="l">
-              <a:lnSpc>
-                <a:spcPct val="100000"/>
-              </a:lnSpc>
               <a:spcBef>
                 <a:spcPts val="0"/>
               </a:spcBef>
@@ -10286,9 +10473,6 @@
           </a:p>
           <a:p>
             <a:pPr indent="-317500" lvl="0" marL="457200" rtl="0" algn="l">
-              <a:lnSpc>
-                <a:spcPct val="100000"/>
-              </a:lnSpc>
               <a:spcBef>
                 <a:spcPts val="0"/>
               </a:spcBef>
@@ -10305,33 +10489,21 @@
             <a:r>
               <a:rPr lang="en-GB" u="sng">
                 <a:solidFill>
-                  <a:schemeClr val="hlink"/>
+                  <a:schemeClr val="accent5"/>
                 </a:solidFill>
-                <a:hlinkClick r:id="rId3"/>
+                <a:hlinkClick r:id="rId3">
+                  <a:extLst>
+                    <a:ext uri="{A12FA001-AC4F-418D-AE19-62706E023703}">
+                      <ahyp:hlinkClr val="tx"/>
+                    </a:ext>
+                  </a:extLst>
+                </a:hlinkClick>
               </a:rPr>
               <a:t>MongoDB Compass</a:t>
             </a:r>
             <a:r>
               <a:rPr lang="en-GB"/>
               <a:t>, which is a GUI tool for MongoDB. MongoDB Compass allows you to connect to your MongoDB database and view the data in it.</a:t>
-            </a:r>
-            <a:endParaRPr/>
-          </a:p>
-          <a:p>
-            <a:pPr indent="0" lvl="0" marL="0" rtl="0" algn="l">
-              <a:lnSpc>
-                <a:spcPct val="100000"/>
-              </a:lnSpc>
-              <a:spcBef>
-                <a:spcPts val="0"/>
-              </a:spcBef>
-              <a:spcAft>
-                <a:spcPts val="0"/>
-              </a:spcAft>
-              <a:buNone/>
-            </a:pPr>
-            <a:r>
-              <a:t/>
             </a:r>
             <a:endParaRPr/>
           </a:p>
@@ -10410,18 +10582,24 @@
           </a:p>
         </p:txBody>
       </p:sp>
-      <p:sp>
-        <p:nvSpPr>
+      <p:pic>
+        <p:nvPicPr>
           <p:cNvPr id="124" name="Google Shape;124;g24b59ea4641_0_63"/>
-          <p:cNvSpPr txBox="1"/>
-          <p:nvPr>
-            <p:ph idx="2" type="title"/>
-          </p:nvPr>
-        </p:nvSpPr>
+          <p:cNvPicPr preferRelativeResize="0"/>
+          <p:nvPr/>
+        </p:nvPicPr>
+        <p:blipFill>
+          <a:blip r:embed="rId3">
+            <a:alphaModFix/>
+          </a:blip>
+          <a:stretch>
+            <a:fillRect/>
+          </a:stretch>
+        </p:blipFill>
         <p:spPr>
           <a:xfrm>
-            <a:off x="924025" y="1106000"/>
-            <a:ext cx="7058400" cy="3835200"/>
+            <a:off x="896525" y="1106000"/>
+            <a:ext cx="6635909" cy="3732699"/>
           </a:xfrm>
           <a:prstGeom prst="rect">
             <a:avLst/>
@@ -10431,293 +10609,7 @@
             <a:noFill/>
           </a:ln>
         </p:spPr>
-        <p:txBody>
-          <a:bodyPr anchorCtr="0" anchor="t" bIns="91425" lIns="91425" spcFirstLastPara="1" rIns="91425" wrap="square" tIns="91425">
-            <a:noAutofit/>
-          </a:bodyPr>
-          <a:lstStyle/>
-          <a:p>
-            <a:pPr indent="-317500" lvl="0" marL="457200" rtl="0" algn="l">
-              <a:lnSpc>
-                <a:spcPct val="100000"/>
-              </a:lnSpc>
-              <a:spcBef>
-                <a:spcPts val="0"/>
-              </a:spcBef>
-              <a:spcAft>
-                <a:spcPts val="0"/>
-              </a:spcAft>
-              <a:buSzPts val="1400"/>
-              <a:buAutoNum type="arabicPeriod"/>
-            </a:pPr>
-            <a:r>
-              <a:rPr lang="en-GB"/>
-              <a:t>Make sure Docker is installed on your machine.</a:t>
-            </a:r>
-            <a:endParaRPr/>
-          </a:p>
-          <a:p>
-            <a:pPr indent="0" lvl="0" marL="0" rtl="0" algn="l">
-              <a:lnSpc>
-                <a:spcPct val="100000"/>
-              </a:lnSpc>
-              <a:spcBef>
-                <a:spcPts val="0"/>
-              </a:spcBef>
-              <a:spcAft>
-                <a:spcPts val="0"/>
-              </a:spcAft>
-              <a:buNone/>
-            </a:pPr>
-            <a:r>
-              <a:t/>
-            </a:r>
-            <a:endParaRPr/>
-          </a:p>
-          <a:p>
-            <a:pPr indent="-317500" lvl="0" marL="457200" rtl="0" algn="l">
-              <a:lnSpc>
-                <a:spcPct val="100000"/>
-              </a:lnSpc>
-              <a:spcBef>
-                <a:spcPts val="0"/>
-              </a:spcBef>
-              <a:spcAft>
-                <a:spcPts val="0"/>
-              </a:spcAft>
-              <a:buSzPts val="1400"/>
-              <a:buAutoNum type="arabicPeriod"/>
-            </a:pPr>
-            <a:r>
-              <a:rPr lang="en-GB"/>
-              <a:t>Open your terminal or command prompt and run the following command to create a MongoDB database locally:</a:t>
-            </a:r>
-            <a:endParaRPr/>
-          </a:p>
-          <a:p>
-            <a:pPr indent="0" lvl="0" marL="0" rtl="0" algn="l">
-              <a:lnSpc>
-                <a:spcPct val="100000"/>
-              </a:lnSpc>
-              <a:spcBef>
-                <a:spcPts val="0"/>
-              </a:spcBef>
-              <a:spcAft>
-                <a:spcPts val="0"/>
-              </a:spcAft>
-              <a:buNone/>
-            </a:pPr>
-            <a:r>
-              <a:t/>
-            </a:r>
-            <a:endParaRPr/>
-          </a:p>
-          <a:p>
-            <a:pPr indent="-317500" lvl="0" marL="457200" rtl="0" algn="l">
-              <a:lnSpc>
-                <a:spcPct val="100000"/>
-              </a:lnSpc>
-              <a:spcBef>
-                <a:spcPts val="0"/>
-              </a:spcBef>
-              <a:spcAft>
-                <a:spcPts val="0"/>
-              </a:spcAft>
-              <a:buSzPts val="1400"/>
-              <a:buAutoNum type="arabicPeriod"/>
-            </a:pPr>
-            <a:r>
-              <a:rPr lang="en-GB">
-                <a:highlight>
-                  <a:schemeClr val="lt1"/>
-                </a:highlight>
-              </a:rPr>
-              <a:t>docker run --name mongodb-local-server -p 27017:27017 -d mongo:latest</a:t>
-            </a:r>
-            <a:endParaRPr>
-              <a:highlight>
-                <a:schemeClr val="lt1"/>
-              </a:highlight>
-            </a:endParaRPr>
-          </a:p>
-          <a:p>
-            <a:pPr indent="0" lvl="0" marL="0" rtl="0" algn="l">
-              <a:lnSpc>
-                <a:spcPct val="100000"/>
-              </a:lnSpc>
-              <a:spcBef>
-                <a:spcPts val="0"/>
-              </a:spcBef>
-              <a:spcAft>
-                <a:spcPts val="0"/>
-              </a:spcAft>
-              <a:buNone/>
-            </a:pPr>
-            <a:r>
-              <a:rPr lang="en-GB"/>
-              <a:t>	(If you encounter any permissions error, use sudo before the command (only for Linux and Mac).</a:t>
-            </a:r>
-            <a:endParaRPr/>
-          </a:p>
-          <a:p>
-            <a:pPr indent="0" lvl="0" marL="0" rtl="0" algn="l">
-              <a:lnSpc>
-                <a:spcPct val="100000"/>
-              </a:lnSpc>
-              <a:spcBef>
-                <a:spcPts val="0"/>
-              </a:spcBef>
-              <a:spcAft>
-                <a:spcPts val="0"/>
-              </a:spcAft>
-              <a:buNone/>
-            </a:pPr>
-            <a:r>
-              <a:t/>
-            </a:r>
-            <a:endParaRPr/>
-          </a:p>
-          <a:p>
-            <a:pPr indent="-317500" lvl="0" marL="457200" rtl="0" algn="l">
-              <a:lnSpc>
-                <a:spcPct val="100000"/>
-              </a:lnSpc>
-              <a:spcBef>
-                <a:spcPts val="0"/>
-              </a:spcBef>
-              <a:spcAft>
-                <a:spcPts val="0"/>
-              </a:spcAft>
-              <a:buSzPts val="1400"/>
-              <a:buAutoNum type="arabicPeriod"/>
-            </a:pPr>
-            <a:r>
-              <a:rPr lang="en-GB"/>
-              <a:t>To check if the MongoDB server is running, run the following command:</a:t>
-            </a:r>
-            <a:endParaRPr/>
-          </a:p>
-          <a:p>
-            <a:pPr indent="0" lvl="0" marL="0" rtl="0" algn="l">
-              <a:lnSpc>
-                <a:spcPct val="100000"/>
-              </a:lnSpc>
-              <a:spcBef>
-                <a:spcPts val="0"/>
-              </a:spcBef>
-              <a:spcAft>
-                <a:spcPts val="0"/>
-              </a:spcAft>
-              <a:buNone/>
-            </a:pPr>
-            <a:r>
-              <a:rPr lang="en-GB"/>
-              <a:t>	</a:t>
-            </a:r>
-            <a:r>
-              <a:rPr lang="en-GB">
-                <a:highlight>
-                  <a:schemeClr val="lt1"/>
-                </a:highlight>
-              </a:rPr>
-              <a:t>docker ps</a:t>
-            </a:r>
-            <a:endParaRPr>
-              <a:highlight>
-                <a:schemeClr val="lt1"/>
-              </a:highlight>
-            </a:endParaRPr>
-          </a:p>
-          <a:p>
-            <a:pPr indent="0" lvl="0" marL="0" rtl="0" algn="l">
-              <a:lnSpc>
-                <a:spcPct val="100000"/>
-              </a:lnSpc>
-              <a:spcBef>
-                <a:spcPts val="0"/>
-              </a:spcBef>
-              <a:spcAft>
-                <a:spcPts val="0"/>
-              </a:spcAft>
-              <a:buNone/>
-            </a:pPr>
-            <a:r>
-              <a:rPr lang="en-GB"/>
-              <a:t>	This will display a list of running Docker containers. Make sure you see the container named mongodb-local-server with the status Up.</a:t>
-            </a:r>
-            <a:endParaRPr/>
-          </a:p>
-          <a:p>
-            <a:pPr indent="0" lvl="0" marL="0" rtl="0" algn="l">
-              <a:lnSpc>
-                <a:spcPct val="100000"/>
-              </a:lnSpc>
-              <a:spcBef>
-                <a:spcPts val="0"/>
-              </a:spcBef>
-              <a:spcAft>
-                <a:spcPts val="0"/>
-              </a:spcAft>
-              <a:buNone/>
-            </a:pPr>
-            <a:r>
-              <a:t/>
-            </a:r>
-            <a:endParaRPr/>
-          </a:p>
-          <a:p>
-            <a:pPr indent="-317500" lvl="0" marL="457200" rtl="0" algn="l">
-              <a:lnSpc>
-                <a:spcPct val="100000"/>
-              </a:lnSpc>
-              <a:spcBef>
-                <a:spcPts val="0"/>
-              </a:spcBef>
-              <a:spcAft>
-                <a:spcPts val="0"/>
-              </a:spcAft>
-              <a:buSzPts val="1400"/>
-              <a:buAutoNum type="arabicPeriod"/>
-            </a:pPr>
-            <a:r>
-              <a:rPr lang="en-GB"/>
-              <a:t>Additionally, you can install </a:t>
-            </a:r>
-            <a:r>
-              <a:rPr lang="en-GB" u="sng">
-                <a:solidFill>
-                  <a:schemeClr val="hlink"/>
-                </a:solidFill>
-                <a:hlinkClick r:id="rId3"/>
-              </a:rPr>
-              <a:t>MongoDB Compass</a:t>
-            </a:r>
-            <a:r>
-              <a:rPr lang="en-GB"/>
-              <a:t>, which is a GUI tool for MongoDB. MongoDB Compass allows you to connect to your MongoDB database and view the data in it.</a:t>
-            </a:r>
-            <a:endParaRPr/>
-          </a:p>
-          <a:p>
-            <a:pPr indent="0" lvl="0" marL="0" rtl="0" algn="l">
-              <a:lnSpc>
-                <a:spcPct val="100000"/>
-              </a:lnSpc>
-              <a:spcBef>
-                <a:spcPts val="0"/>
-              </a:spcBef>
-              <a:spcAft>
-                <a:spcPts val="0"/>
-              </a:spcAft>
-              <a:buNone/>
-            </a:pPr>
-            <a:r>
-              <a:t/>
-            </a:r>
-            <a:endParaRPr/>
-          </a:p>
-        </p:txBody>
-      </p:sp>
+      </p:pic>
     </p:spTree>
   </p:cSld>
   <p:clrMapOvr>
@@ -10979,7 +10871,260 @@
       </p:grpSpPr>
       <p:sp>
         <p:nvSpPr>
-          <p:cNvPr id="135" name="Google Shape;135;g24b59ea4641_0_78"/>
+          <p:cNvPr id="135" name="Google Shape;135;g24b62cf844a_0_6"/>
+          <p:cNvSpPr txBox="1"/>
+          <p:nvPr>
+            <p:ph type="title"/>
+          </p:nvPr>
+        </p:nvSpPr>
+        <p:spPr>
+          <a:xfrm>
+            <a:off x="793325" y="551900"/>
+            <a:ext cx="7767600" cy="923400"/>
+          </a:xfrm>
+          <a:prstGeom prst="rect">
+            <a:avLst/>
+          </a:prstGeom>
+          <a:noFill/>
+          <a:ln>
+            <a:noFill/>
+          </a:ln>
+        </p:spPr>
+        <p:txBody>
+          <a:bodyPr anchorCtr="0" anchor="t" bIns="91425" lIns="91425" spcFirstLastPara="1" rIns="91425" wrap="square" tIns="91425">
+            <a:spAutoFit/>
+          </a:bodyPr>
+          <a:lstStyle/>
+          <a:p>
+            <a:pPr indent="0" lvl="0" marL="0" rtl="0" algn="l">
+              <a:lnSpc>
+                <a:spcPct val="100000"/>
+              </a:lnSpc>
+              <a:spcBef>
+                <a:spcPts val="0"/>
+              </a:spcBef>
+              <a:spcAft>
+                <a:spcPts val="0"/>
+              </a:spcAft>
+              <a:buSzPts val="1800"/>
+              <a:buNone/>
+            </a:pPr>
+            <a:r>
+              <a:rPr lang="en-GB"/>
+              <a:t>Connecting to a MongoDB database using MongoDB Compass</a:t>
+            </a:r>
+            <a:endParaRPr b="0" sz="1800"/>
+          </a:p>
+        </p:txBody>
+      </p:sp>
+      <p:pic>
+        <p:nvPicPr>
+          <p:cNvPr id="136" name="Google Shape;136;g24b62cf844a_0_6"/>
+          <p:cNvPicPr preferRelativeResize="0"/>
+          <p:nvPr/>
+        </p:nvPicPr>
+        <p:blipFill>
+          <a:blip r:embed="rId3">
+            <a:alphaModFix/>
+          </a:blip>
+          <a:stretch>
+            <a:fillRect/>
+          </a:stretch>
+        </p:blipFill>
+        <p:spPr>
+          <a:xfrm>
+            <a:off x="886350" y="1475300"/>
+            <a:ext cx="6150216" cy="3363399"/>
+          </a:xfrm>
+          <a:prstGeom prst="rect">
+            <a:avLst/>
+          </a:prstGeom>
+          <a:noFill/>
+          <a:ln>
+            <a:noFill/>
+          </a:ln>
+        </p:spPr>
+      </p:pic>
+      <p:sp>
+        <p:nvSpPr>
+          <p:cNvPr id="137" name="Google Shape;137;g24b62cf844a_0_6"/>
+          <p:cNvSpPr/>
+          <p:nvPr/>
+        </p:nvSpPr>
+        <p:spPr>
+          <a:xfrm>
+            <a:off x="4680025" y="3100400"/>
+            <a:ext cx="325500" cy="232500"/>
+          </a:xfrm>
+          <a:prstGeom prst="rect">
+            <a:avLst/>
+          </a:prstGeom>
+          <a:solidFill>
+            <a:srgbClr val="F8FAFF">
+              <a:alpha val="26000"/>
+            </a:srgbClr>
+          </a:solidFill>
+          <a:ln cap="flat" cmpd="sng" w="9525">
+            <a:solidFill>
+              <a:srgbClr val="FF0000"/>
+            </a:solidFill>
+            <a:prstDash val="solid"/>
+            <a:round/>
+            <a:headEnd len="sm" w="sm" type="none"/>
+            <a:tailEnd len="sm" w="sm" type="none"/>
+          </a:ln>
+        </p:spPr>
+        <p:txBody>
+          <a:bodyPr anchorCtr="0" anchor="ctr" bIns="91425" lIns="91425" spcFirstLastPara="1" rIns="91425" wrap="square" tIns="91425">
+            <a:noAutofit/>
+          </a:bodyPr>
+          <a:lstStyle/>
+          <a:p>
+            <a:pPr indent="0" lvl="0" marL="0" rtl="0" algn="l">
+              <a:spcBef>
+                <a:spcPts val="0"/>
+              </a:spcBef>
+              <a:spcAft>
+                <a:spcPts val="0"/>
+              </a:spcAft>
+              <a:buNone/>
+            </a:pPr>
+            <a:r>
+              <a:t/>
+            </a:r>
+            <a:endParaRPr/>
+          </a:p>
+        </p:txBody>
+      </p:sp>
+    </p:spTree>
+  </p:cSld>
+  <p:clrMapOvr>
+    <a:masterClrMapping/>
+  </p:clrMapOvr>
+</p:sld>
+</file>
+
+<file path=ppt/slides/slide16.xml><?xml version="1.0" encoding="utf-8"?>
+<p:sld xmlns:a="http://schemas.openxmlformats.org/drawingml/2006/main" xmlns:r="http://schemas.openxmlformats.org/officeDocument/2006/relationships" xmlns:mc="http://schemas.openxmlformats.org/markup-compatibility/2006" xmlns:mv="urn:schemas-microsoft-com:mac:vml" xmlns:p="http://schemas.openxmlformats.org/presentationml/2006/main" xmlns:c="http://schemas.openxmlformats.org/drawingml/2006/chart" xmlns:dgm="http://schemas.openxmlformats.org/drawingml/2006/diagram" xmlns:o="urn:schemas-microsoft-com:office:office" xmlns:v="urn:schemas-microsoft-com:vml" xmlns:pvml="urn:schemas-microsoft-com:office:powerpoint" xmlns:com="http://schemas.openxmlformats.org/drawingml/2006/compatibility" xmlns:p14="http://schemas.microsoft.com/office/powerpoint/2010/main" xmlns:p15="http://schemas.microsoft.com/office/powerpoint/2012/main" xmlns:ahyp="http://schemas.microsoft.com/office/drawing/2018/hyperlinkcolor">
+  <p:cSld>
+    <p:spTree>
+      <p:nvGrpSpPr>
+        <p:cNvPr id="141" name="Shape 141"/>
+        <p:cNvGrpSpPr/>
+        <p:nvPr/>
+      </p:nvGrpSpPr>
+      <p:grpSpPr>
+        <a:xfrm>
+          <a:off x="0" y="0"/>
+          <a:ext cx="0" cy="0"/>
+          <a:chOff x="0" y="0"/>
+          <a:chExt cx="0" cy="0"/>
+        </a:xfrm>
+      </p:grpSpPr>
+      <p:sp>
+        <p:nvSpPr>
+          <p:cNvPr id="142" name="Google Shape;142;g24b62cf844a_0_11"/>
+          <p:cNvSpPr txBox="1"/>
+          <p:nvPr>
+            <p:ph type="title"/>
+          </p:nvPr>
+        </p:nvSpPr>
+        <p:spPr>
+          <a:xfrm>
+            <a:off x="793325" y="551900"/>
+            <a:ext cx="7767600" cy="923400"/>
+          </a:xfrm>
+          <a:prstGeom prst="rect">
+            <a:avLst/>
+          </a:prstGeom>
+          <a:noFill/>
+          <a:ln>
+            <a:noFill/>
+          </a:ln>
+        </p:spPr>
+        <p:txBody>
+          <a:bodyPr anchorCtr="0" anchor="t" bIns="91425" lIns="91425" spcFirstLastPara="1" rIns="91425" wrap="square" tIns="91425">
+            <a:spAutoFit/>
+          </a:bodyPr>
+          <a:lstStyle/>
+          <a:p>
+            <a:pPr indent="0" lvl="0" marL="0" rtl="0" algn="l">
+              <a:lnSpc>
+                <a:spcPct val="100000"/>
+              </a:lnSpc>
+              <a:spcBef>
+                <a:spcPts val="0"/>
+              </a:spcBef>
+              <a:spcAft>
+                <a:spcPts val="0"/>
+              </a:spcAft>
+              <a:buSzPts val="1800"/>
+              <a:buNone/>
+            </a:pPr>
+            <a:r>
+              <a:rPr lang="en-GB"/>
+              <a:t>Connecting to a MongoDB database using MongoDB Compass</a:t>
+            </a:r>
+            <a:endParaRPr b="0" sz="1800"/>
+          </a:p>
+        </p:txBody>
+      </p:sp>
+      <p:pic>
+        <p:nvPicPr>
+          <p:cNvPr id="143" name="Google Shape;143;g24b62cf844a_0_11"/>
+          <p:cNvPicPr preferRelativeResize="0"/>
+          <p:nvPr/>
+        </p:nvPicPr>
+        <p:blipFill>
+          <a:blip r:embed="rId3">
+            <a:alphaModFix/>
+          </a:blip>
+          <a:stretch>
+            <a:fillRect/>
+          </a:stretch>
+        </p:blipFill>
+        <p:spPr>
+          <a:xfrm>
+            <a:off x="858450" y="1475300"/>
+            <a:ext cx="6150216" cy="3363399"/>
+          </a:xfrm>
+          <a:prstGeom prst="rect">
+            <a:avLst/>
+          </a:prstGeom>
+          <a:noFill/>
+          <a:ln>
+            <a:noFill/>
+          </a:ln>
+        </p:spPr>
+      </p:pic>
+    </p:spTree>
+  </p:cSld>
+  <p:clrMapOvr>
+    <a:masterClrMapping/>
+  </p:clrMapOvr>
+</p:sld>
+</file>
+
+<file path=ppt/slides/slide17.xml><?xml version="1.0" encoding="utf-8"?>
+<p:sld xmlns:a="http://schemas.openxmlformats.org/drawingml/2006/main" xmlns:r="http://schemas.openxmlformats.org/officeDocument/2006/relationships" xmlns:mc="http://schemas.openxmlformats.org/markup-compatibility/2006" xmlns:mv="urn:schemas-microsoft-com:mac:vml" xmlns:p="http://schemas.openxmlformats.org/presentationml/2006/main" xmlns:c="http://schemas.openxmlformats.org/drawingml/2006/chart" xmlns:dgm="http://schemas.openxmlformats.org/drawingml/2006/diagram" xmlns:o="urn:schemas-microsoft-com:office:office" xmlns:v="urn:schemas-microsoft-com:vml" xmlns:pvml="urn:schemas-microsoft-com:office:powerpoint" xmlns:com="http://schemas.openxmlformats.org/drawingml/2006/compatibility" xmlns:p14="http://schemas.microsoft.com/office/powerpoint/2010/main" xmlns:p15="http://schemas.microsoft.com/office/powerpoint/2012/main" xmlns:ahyp="http://schemas.microsoft.com/office/drawing/2018/hyperlinkcolor">
+  <p:cSld>
+    <p:spTree>
+      <p:nvGrpSpPr>
+        <p:cNvPr id="147" name="Shape 147"/>
+        <p:cNvGrpSpPr/>
+        <p:nvPr/>
+      </p:nvGrpSpPr>
+      <p:grpSpPr>
+        <a:xfrm>
+          <a:off x="0" y="0"/>
+          <a:ext cx="0" cy="0"/>
+          <a:chOff x="0" y="0"/>
+          <a:chExt cx="0" cy="0"/>
+        </a:xfrm>
+      </p:grpSpPr>
+      <p:sp>
+        <p:nvSpPr>
+          <p:cNvPr id="148" name="Google Shape;148;g24b59ea4641_0_78"/>
           <p:cNvSpPr txBox="1"/>
           <p:nvPr>
             <p:ph type="title"/>
@@ -11026,7 +11171,7 @@
       </p:sp>
       <p:sp>
         <p:nvSpPr>
-          <p:cNvPr id="136" name="Google Shape;136;g24b59ea4641_0_78"/>
+          <p:cNvPr id="149" name="Google Shape;149;g24b59ea4641_0_78"/>
           <p:cNvSpPr txBox="1"/>
           <p:nvPr>
             <p:ph idx="2" type="title"/>
@@ -11128,12 +11273,12 @@
 </p:sld>
 </file>
 
-<file path=ppt/slides/slide16.xml><?xml version="1.0" encoding="utf-8"?>
+<file path=ppt/slides/slide18.xml><?xml version="1.0" encoding="utf-8"?>
 <p:sld xmlns:a="http://schemas.openxmlformats.org/drawingml/2006/main" xmlns:r="http://schemas.openxmlformats.org/officeDocument/2006/relationships" xmlns:mc="http://schemas.openxmlformats.org/markup-compatibility/2006" xmlns:mv="urn:schemas-microsoft-com:mac:vml" xmlns:p="http://schemas.openxmlformats.org/presentationml/2006/main" xmlns:c="http://schemas.openxmlformats.org/drawingml/2006/chart" xmlns:dgm="http://schemas.openxmlformats.org/drawingml/2006/diagram" xmlns:o="urn:schemas-microsoft-com:office:office" xmlns:v="urn:schemas-microsoft-com:vml" xmlns:pvml="urn:schemas-microsoft-com:office:powerpoint" xmlns:com="http://schemas.openxmlformats.org/drawingml/2006/compatibility" xmlns:p14="http://schemas.microsoft.com/office/powerpoint/2010/main" xmlns:p15="http://schemas.microsoft.com/office/powerpoint/2012/main" xmlns:ahyp="http://schemas.microsoft.com/office/drawing/2018/hyperlinkcolor">
   <p:cSld>
     <p:spTree>
       <p:nvGrpSpPr>
-        <p:cNvPr id="140" name="Shape 140"/>
+        <p:cNvPr id="153" name="Shape 153"/>
         <p:cNvGrpSpPr/>
         <p:nvPr/>
       </p:nvGrpSpPr>
@@ -11147,7 +11292,7 @@
       </p:grpSpPr>
       <p:sp>
         <p:nvSpPr>
-          <p:cNvPr id="141" name="Google Shape;141;g24b59ea4641_0_85"/>
+          <p:cNvPr id="154" name="Google Shape;154;g24b59ea4641_0_85"/>
           <p:cNvSpPr txBox="1"/>
           <p:nvPr>
             <p:ph type="title"/>
@@ -11194,7 +11339,7 @@
       </p:sp>
       <p:sp>
         <p:nvSpPr>
-          <p:cNvPr id="142" name="Google Shape;142;g24b59ea4641_0_85"/>
+          <p:cNvPr id="155" name="Google Shape;155;g24b59ea4641_0_85"/>
           <p:cNvSpPr txBox="1"/>
           <p:nvPr>
             <p:ph idx="2" type="title"/>
@@ -11509,12 +11654,12 @@
 </p:sld>
 </file>
 
-<file path=ppt/slides/slide17.xml><?xml version="1.0" encoding="utf-8"?>
+<file path=ppt/slides/slide19.xml><?xml version="1.0" encoding="utf-8"?>
 <p:sld xmlns:a="http://schemas.openxmlformats.org/drawingml/2006/main" xmlns:r="http://schemas.openxmlformats.org/officeDocument/2006/relationships" xmlns:mc="http://schemas.openxmlformats.org/markup-compatibility/2006" xmlns:mv="urn:schemas-microsoft-com:mac:vml" xmlns:p="http://schemas.openxmlformats.org/presentationml/2006/main" xmlns:c="http://schemas.openxmlformats.org/drawingml/2006/chart" xmlns:dgm="http://schemas.openxmlformats.org/drawingml/2006/diagram" xmlns:o="urn:schemas-microsoft-com:office:office" xmlns:v="urn:schemas-microsoft-com:vml" xmlns:pvml="urn:schemas-microsoft-com:office:powerpoint" xmlns:com="http://schemas.openxmlformats.org/drawingml/2006/compatibility" xmlns:p14="http://schemas.microsoft.com/office/powerpoint/2010/main" xmlns:p15="http://schemas.microsoft.com/office/powerpoint/2012/main" xmlns:ahyp="http://schemas.microsoft.com/office/drawing/2018/hyperlinkcolor">
   <p:cSld>
     <p:spTree>
       <p:nvGrpSpPr>
-        <p:cNvPr id="146" name="Shape 146"/>
+        <p:cNvPr id="159" name="Shape 159"/>
         <p:cNvGrpSpPr/>
         <p:nvPr/>
       </p:nvGrpSpPr>
@@ -11528,7 +11673,7 @@
       </p:grpSpPr>
       <p:sp>
         <p:nvSpPr>
-          <p:cNvPr id="147" name="Google Shape;147;g24b59ea4641_0_92"/>
+          <p:cNvPr id="160" name="Google Shape;160;g24b59ea4641_0_92"/>
           <p:cNvSpPr txBox="1"/>
           <p:nvPr>
             <p:ph type="title"/>
@@ -11537,7 +11682,7 @@
         <p:spPr>
           <a:xfrm>
             <a:off x="793325" y="551900"/>
-            <a:ext cx="7767600" cy="1293000"/>
+            <a:ext cx="7767600" cy="2031900"/>
           </a:xfrm>
           <a:prstGeom prst="rect">
             <a:avLst/>
@@ -11607,11 +11752,47 @@
             </a:r>
             <a:endParaRPr/>
           </a:p>
+          <a:p>
+            <a:pPr indent="0" lvl="0" marL="0" rtl="0" algn="l">
+              <a:lnSpc>
+                <a:spcPct val="100000"/>
+              </a:lnSpc>
+              <a:spcBef>
+                <a:spcPts val="0"/>
+              </a:spcBef>
+              <a:spcAft>
+                <a:spcPts val="0"/>
+              </a:spcAft>
+              <a:buNone/>
+            </a:pPr>
+            <a:r>
+              <a:t/>
+            </a:r>
+            <a:endParaRPr/>
+          </a:p>
+          <a:p>
+            <a:pPr indent="0" lvl="0" marL="0" rtl="0" algn="l">
+              <a:lnSpc>
+                <a:spcPct val="100000"/>
+              </a:lnSpc>
+              <a:spcBef>
+                <a:spcPts val="0"/>
+              </a:spcBef>
+              <a:spcAft>
+                <a:spcPts val="0"/>
+              </a:spcAft>
+              <a:buNone/>
+            </a:pPr>
+            <a:r>
+              <a:t/>
+            </a:r>
+            <a:endParaRPr/>
+          </a:p>
         </p:txBody>
       </p:sp>
       <p:sp>
         <p:nvSpPr>
-          <p:cNvPr id="148" name="Google Shape;148;g24b59ea4641_0_92"/>
+          <p:cNvPr id="161" name="Google Shape;161;g24b59ea4641_0_92"/>
           <p:cNvSpPr txBox="1"/>
           <p:nvPr>
             <p:ph idx="2" type="title"/>
@@ -11650,11 +11831,7 @@
             </a:pPr>
             <a:r>
               <a:rPr lang="en-GB"/>
-              <a:t>S</a:t>
-            </a:r>
-            <a:r>
-              <a:rPr lang="en-GB"/>
-              <a:t>omeone asked us to build a Touch'n Go system. Here are the feature breakdown:</a:t>
+              <a:t>In this Code Along, we're going to build a database structure for the eWallet system using MongoDB. Here's the brief overview of the system:</a:t>
             </a:r>
             <a:endParaRPr/>
           </a:p>
@@ -11730,7 +11907,7 @@
             </a:pPr>
             <a:r>
               <a:rPr lang="en-GB"/>
-              <a:t>Users can add money to their wallet.</a:t>
+              <a:t>Users can reload/pay through their wallet.</a:t>
             </a:r>
             <a:endParaRPr/>
           </a:p>
@@ -11768,7 +11945,7 @@
             </a:pPr>
             <a:r>
               <a:rPr lang="en-GB"/>
-              <a:t>Users can pay using their wallet.</a:t>
+              <a:t>Users can view their transaction history.</a:t>
             </a:r>
             <a:endParaRPr/>
           </a:p>
@@ -11806,7 +11983,7 @@
             </a:pPr>
             <a:r>
               <a:rPr lang="en-GB"/>
-              <a:t>Users can view their transaction history.</a:t>
+              <a:t>Merchants can register and login.</a:t>
             </a:r>
             <a:endParaRPr/>
           </a:p>
@@ -11844,7 +12021,7 @@
             </a:pPr>
             <a:r>
               <a:rPr lang="en-GB"/>
-              <a:t>Merchants can register and login.</a:t>
+              <a:t>Merchants can view their transaction history.</a:t>
             </a:r>
             <a:endParaRPr/>
           </a:p>
@@ -11882,44 +12059,6 @@
             </a:pPr>
             <a:r>
               <a:rPr lang="en-GB"/>
-              <a:t>Merchants can view their transaction history.</a:t>
-            </a:r>
-            <a:endParaRPr/>
-          </a:p>
-          <a:p>
-            <a:pPr indent="0" lvl="0" marL="0" rtl="0" algn="l">
-              <a:lnSpc>
-                <a:spcPct val="100000"/>
-              </a:lnSpc>
-              <a:spcBef>
-                <a:spcPts val="0"/>
-              </a:spcBef>
-              <a:spcAft>
-                <a:spcPts val="0"/>
-              </a:spcAft>
-              <a:buNone/>
-            </a:pPr>
-            <a:r>
-              <a:t/>
-            </a:r>
-            <a:endParaRPr/>
-          </a:p>
-          <a:p>
-            <a:pPr indent="-317500" lvl="0" marL="457200" rtl="0" algn="l">
-              <a:lnSpc>
-                <a:spcPct val="100000"/>
-              </a:lnSpc>
-              <a:spcBef>
-                <a:spcPts val="0"/>
-              </a:spcBef>
-              <a:spcAft>
-                <a:spcPts val="0"/>
-              </a:spcAft>
-              <a:buSzPts val="1400"/>
-              <a:buChar char="●"/>
-            </a:pPr>
-            <a:r>
-              <a:rPr lang="en-GB"/>
               <a:t>Merchants can receive money from users.</a:t>
             </a:r>
             <a:endParaRPr/>
@@ -11994,1060 +12133,6 @@
             </a:pPr>
             <a:r>
               <a:t/>
-            </a:r>
-            <a:endParaRPr/>
-          </a:p>
-        </p:txBody>
-      </p:sp>
-    </p:spTree>
-  </p:cSld>
-  <p:clrMapOvr>
-    <a:masterClrMapping/>
-  </p:clrMapOvr>
-</p:sld>
-</file>
-
-<file path=ppt/slides/slide18.xml><?xml version="1.0" encoding="utf-8"?>
-<p:sld xmlns:a="http://schemas.openxmlformats.org/drawingml/2006/main" xmlns:r="http://schemas.openxmlformats.org/officeDocument/2006/relationships" xmlns:mc="http://schemas.openxmlformats.org/markup-compatibility/2006" xmlns:mv="urn:schemas-microsoft-com:mac:vml" xmlns:p="http://schemas.openxmlformats.org/presentationml/2006/main" xmlns:c="http://schemas.openxmlformats.org/drawingml/2006/chart" xmlns:dgm="http://schemas.openxmlformats.org/drawingml/2006/diagram" xmlns:o="urn:schemas-microsoft-com:office:office" xmlns:v="urn:schemas-microsoft-com:vml" xmlns:pvml="urn:schemas-microsoft-com:office:powerpoint" xmlns:com="http://schemas.openxmlformats.org/drawingml/2006/compatibility" xmlns:p14="http://schemas.microsoft.com/office/powerpoint/2010/main" xmlns:p15="http://schemas.microsoft.com/office/powerpoint/2012/main" xmlns:ahyp="http://schemas.microsoft.com/office/drawing/2018/hyperlinkcolor">
-  <p:cSld>
-    <p:spTree>
-      <p:nvGrpSpPr>
-        <p:cNvPr id="152" name="Shape 152"/>
-        <p:cNvGrpSpPr/>
-        <p:nvPr/>
-      </p:nvGrpSpPr>
-      <p:grpSpPr>
-        <a:xfrm>
-          <a:off x="0" y="0"/>
-          <a:ext cx="0" cy="0"/>
-          <a:chOff x="0" y="0"/>
-          <a:chExt cx="0" cy="0"/>
-        </a:xfrm>
-      </p:grpSpPr>
-      <p:sp>
-        <p:nvSpPr>
-          <p:cNvPr id="153" name="Google Shape;153;g24b59ea4641_0_99"/>
-          <p:cNvSpPr txBox="1"/>
-          <p:nvPr>
-            <p:ph type="title"/>
-          </p:nvPr>
-        </p:nvSpPr>
-        <p:spPr>
-          <a:xfrm>
-            <a:off x="793325" y="551900"/>
-            <a:ext cx="7767600" cy="2401200"/>
-          </a:xfrm>
-          <a:prstGeom prst="rect">
-            <a:avLst/>
-          </a:prstGeom>
-          <a:noFill/>
-          <a:ln>
-            <a:noFill/>
-          </a:ln>
-        </p:spPr>
-        <p:txBody>
-          <a:bodyPr anchorCtr="0" anchor="t" bIns="91425" lIns="91425" spcFirstLastPara="1" rIns="91425" wrap="square" tIns="91425">
-            <a:spAutoFit/>
-          </a:bodyPr>
-          <a:lstStyle/>
-          <a:p>
-            <a:pPr indent="0" lvl="0" marL="0" rtl="0" algn="l">
-              <a:lnSpc>
-                <a:spcPct val="100000"/>
-              </a:lnSpc>
-              <a:spcBef>
-                <a:spcPts val="0"/>
-              </a:spcBef>
-              <a:spcAft>
-                <a:spcPts val="0"/>
-              </a:spcAft>
-              <a:buNone/>
-            </a:pPr>
-            <a:r>
-              <a:rPr lang="en-GB"/>
-              <a:t>Q: Let's start by identifying the entities in our system.</a:t>
-            </a:r>
-            <a:endParaRPr/>
-          </a:p>
-          <a:p>
-            <a:pPr indent="0" lvl="0" marL="0" rtl="0" algn="l">
-              <a:lnSpc>
-                <a:spcPct val="100000"/>
-              </a:lnSpc>
-              <a:spcBef>
-                <a:spcPts val="0"/>
-              </a:spcBef>
-              <a:spcAft>
-                <a:spcPts val="0"/>
-              </a:spcAft>
-              <a:buNone/>
-            </a:pPr>
-            <a:r>
-              <a:t/>
-            </a:r>
-            <a:endParaRPr/>
-          </a:p>
-          <a:p>
-            <a:pPr indent="0" lvl="0" marL="0" rtl="0" algn="l">
-              <a:lnSpc>
-                <a:spcPct val="100000"/>
-              </a:lnSpc>
-              <a:spcBef>
-                <a:spcPts val="0"/>
-              </a:spcBef>
-              <a:spcAft>
-                <a:spcPts val="0"/>
-              </a:spcAft>
-              <a:buNone/>
-            </a:pPr>
-            <a:r>
-              <a:t/>
-            </a:r>
-            <a:endParaRPr/>
-          </a:p>
-          <a:p>
-            <a:pPr indent="0" lvl="0" marL="0" rtl="0" algn="l">
-              <a:lnSpc>
-                <a:spcPct val="100000"/>
-              </a:lnSpc>
-              <a:spcBef>
-                <a:spcPts val="0"/>
-              </a:spcBef>
-              <a:spcAft>
-                <a:spcPts val="0"/>
-              </a:spcAft>
-              <a:buNone/>
-            </a:pPr>
-            <a:r>
-              <a:t/>
-            </a:r>
-            <a:endParaRPr/>
-          </a:p>
-          <a:p>
-            <a:pPr indent="0" lvl="0" marL="0" rtl="0" algn="l">
-              <a:lnSpc>
-                <a:spcPct val="100000"/>
-              </a:lnSpc>
-              <a:spcBef>
-                <a:spcPts val="0"/>
-              </a:spcBef>
-              <a:spcAft>
-                <a:spcPts val="0"/>
-              </a:spcAft>
-              <a:buNone/>
-            </a:pPr>
-            <a:r>
-              <a:t/>
-            </a:r>
-            <a:endParaRPr/>
-          </a:p>
-        </p:txBody>
-      </p:sp>
-      <p:sp>
-        <p:nvSpPr>
-          <p:cNvPr id="154" name="Google Shape;154;g24b59ea4641_0_99"/>
-          <p:cNvSpPr txBox="1"/>
-          <p:nvPr>
-            <p:ph idx="2" type="title"/>
-          </p:nvPr>
-        </p:nvSpPr>
-        <p:spPr>
-          <a:xfrm>
-            <a:off x="952050" y="1526075"/>
-            <a:ext cx="7058400" cy="2994600"/>
-          </a:xfrm>
-          <a:prstGeom prst="rect">
-            <a:avLst/>
-          </a:prstGeom>
-          <a:noFill/>
-          <a:ln>
-            <a:noFill/>
-          </a:ln>
-        </p:spPr>
-        <p:txBody>
-          <a:bodyPr anchorCtr="0" anchor="t" bIns="91425" lIns="91425" spcFirstLastPara="1" rIns="91425" wrap="square" tIns="91425">
-            <a:noAutofit/>
-          </a:bodyPr>
-          <a:lstStyle/>
-          <a:p>
-            <a:pPr indent="0" lvl="0" marL="0" rtl="0" algn="l">
-              <a:lnSpc>
-                <a:spcPct val="100000"/>
-              </a:lnSpc>
-              <a:spcBef>
-                <a:spcPts val="0"/>
-              </a:spcBef>
-              <a:spcAft>
-                <a:spcPts val="0"/>
-              </a:spcAft>
-              <a:buNone/>
-            </a:pPr>
-            <a:r>
-              <a:rPr lang="en-GB"/>
-              <a:t>How many entities do you see? What are they? What are their attributes?</a:t>
-            </a:r>
-            <a:endParaRPr/>
-          </a:p>
-        </p:txBody>
-      </p:sp>
-    </p:spTree>
-  </p:cSld>
-  <p:clrMapOvr>
-    <a:masterClrMapping/>
-  </p:clrMapOvr>
-</p:sld>
-</file>
-
-<file path=ppt/slides/slide19.xml><?xml version="1.0" encoding="utf-8"?>
-<p:sld xmlns:a="http://schemas.openxmlformats.org/drawingml/2006/main" xmlns:r="http://schemas.openxmlformats.org/officeDocument/2006/relationships" xmlns:mc="http://schemas.openxmlformats.org/markup-compatibility/2006" xmlns:mv="urn:schemas-microsoft-com:mac:vml" xmlns:p="http://schemas.openxmlformats.org/presentationml/2006/main" xmlns:c="http://schemas.openxmlformats.org/drawingml/2006/chart" xmlns:dgm="http://schemas.openxmlformats.org/drawingml/2006/diagram" xmlns:o="urn:schemas-microsoft-com:office:office" xmlns:v="urn:schemas-microsoft-com:vml" xmlns:pvml="urn:schemas-microsoft-com:office:powerpoint" xmlns:com="http://schemas.openxmlformats.org/drawingml/2006/compatibility" xmlns:p14="http://schemas.microsoft.com/office/powerpoint/2010/main" xmlns:p15="http://schemas.microsoft.com/office/powerpoint/2012/main" xmlns:ahyp="http://schemas.microsoft.com/office/drawing/2018/hyperlinkcolor">
-  <p:cSld>
-    <p:spTree>
-      <p:nvGrpSpPr>
-        <p:cNvPr id="158" name="Shape 158"/>
-        <p:cNvGrpSpPr/>
-        <p:nvPr/>
-      </p:nvGrpSpPr>
-      <p:grpSpPr>
-        <a:xfrm>
-          <a:off x="0" y="0"/>
-          <a:ext cx="0" cy="0"/>
-          <a:chOff x="0" y="0"/>
-          <a:chExt cx="0" cy="0"/>
-        </a:xfrm>
-      </p:grpSpPr>
-      <p:sp>
-        <p:nvSpPr>
-          <p:cNvPr id="159" name="Google Shape;159;g24b59ea4641_0_106"/>
-          <p:cNvSpPr txBox="1"/>
-          <p:nvPr>
-            <p:ph type="title"/>
-          </p:nvPr>
-        </p:nvSpPr>
-        <p:spPr>
-          <a:xfrm>
-            <a:off x="793325" y="551900"/>
-            <a:ext cx="7767600" cy="2401200"/>
-          </a:xfrm>
-          <a:prstGeom prst="rect">
-            <a:avLst/>
-          </a:prstGeom>
-          <a:noFill/>
-          <a:ln>
-            <a:noFill/>
-          </a:ln>
-        </p:spPr>
-        <p:txBody>
-          <a:bodyPr anchorCtr="0" anchor="t" bIns="91425" lIns="91425" spcFirstLastPara="1" rIns="91425" wrap="square" tIns="91425">
-            <a:spAutoFit/>
-          </a:bodyPr>
-          <a:lstStyle/>
-          <a:p>
-            <a:pPr indent="0" lvl="0" marL="0" rtl="0" algn="l">
-              <a:lnSpc>
-                <a:spcPct val="100000"/>
-              </a:lnSpc>
-              <a:spcBef>
-                <a:spcPts val="0"/>
-              </a:spcBef>
-              <a:spcAft>
-                <a:spcPts val="0"/>
-              </a:spcAft>
-              <a:buNone/>
-            </a:pPr>
-            <a:r>
-              <a:rPr lang="en-GB"/>
-              <a:t>Q: Let's start by identifying the entities in our system.</a:t>
-            </a:r>
-            <a:endParaRPr/>
-          </a:p>
-          <a:p>
-            <a:pPr indent="0" lvl="0" marL="0" rtl="0" algn="l">
-              <a:lnSpc>
-                <a:spcPct val="100000"/>
-              </a:lnSpc>
-              <a:spcBef>
-                <a:spcPts val="0"/>
-              </a:spcBef>
-              <a:spcAft>
-                <a:spcPts val="0"/>
-              </a:spcAft>
-              <a:buNone/>
-            </a:pPr>
-            <a:r>
-              <a:t/>
-            </a:r>
-            <a:endParaRPr/>
-          </a:p>
-          <a:p>
-            <a:pPr indent="0" lvl="0" marL="0" rtl="0" algn="l">
-              <a:lnSpc>
-                <a:spcPct val="100000"/>
-              </a:lnSpc>
-              <a:spcBef>
-                <a:spcPts val="0"/>
-              </a:spcBef>
-              <a:spcAft>
-                <a:spcPts val="0"/>
-              </a:spcAft>
-              <a:buNone/>
-            </a:pPr>
-            <a:r>
-              <a:t/>
-            </a:r>
-            <a:endParaRPr/>
-          </a:p>
-          <a:p>
-            <a:pPr indent="0" lvl="0" marL="0" rtl="0" algn="l">
-              <a:lnSpc>
-                <a:spcPct val="100000"/>
-              </a:lnSpc>
-              <a:spcBef>
-                <a:spcPts val="0"/>
-              </a:spcBef>
-              <a:spcAft>
-                <a:spcPts val="0"/>
-              </a:spcAft>
-              <a:buNone/>
-            </a:pPr>
-            <a:r>
-              <a:t/>
-            </a:r>
-            <a:endParaRPr/>
-          </a:p>
-          <a:p>
-            <a:pPr indent="0" lvl="0" marL="0" rtl="0" algn="l">
-              <a:lnSpc>
-                <a:spcPct val="100000"/>
-              </a:lnSpc>
-              <a:spcBef>
-                <a:spcPts val="0"/>
-              </a:spcBef>
-              <a:spcAft>
-                <a:spcPts val="0"/>
-              </a:spcAft>
-              <a:buNone/>
-            </a:pPr>
-            <a:r>
-              <a:t/>
-            </a:r>
-            <a:endParaRPr/>
-          </a:p>
-        </p:txBody>
-      </p:sp>
-      <p:sp>
-        <p:nvSpPr>
-          <p:cNvPr id="160" name="Google Shape;160;g24b59ea4641_0_106"/>
-          <p:cNvSpPr txBox="1"/>
-          <p:nvPr>
-            <p:ph idx="2" type="title"/>
-          </p:nvPr>
-        </p:nvSpPr>
-        <p:spPr>
-          <a:xfrm>
-            <a:off x="952050" y="1526075"/>
-            <a:ext cx="7058400" cy="493500"/>
-          </a:xfrm>
-          <a:prstGeom prst="rect">
-            <a:avLst/>
-          </a:prstGeom>
-          <a:noFill/>
-          <a:ln>
-            <a:noFill/>
-          </a:ln>
-        </p:spPr>
-        <p:txBody>
-          <a:bodyPr anchorCtr="0" anchor="t" bIns="91425" lIns="91425" spcFirstLastPara="1" rIns="91425" wrap="square" tIns="91425">
-            <a:noAutofit/>
-          </a:bodyPr>
-          <a:lstStyle/>
-          <a:p>
-            <a:pPr indent="0" lvl="0" marL="0" rtl="0" algn="l">
-              <a:lnSpc>
-                <a:spcPct val="100000"/>
-              </a:lnSpc>
-              <a:spcBef>
-                <a:spcPts val="0"/>
-              </a:spcBef>
-              <a:spcAft>
-                <a:spcPts val="0"/>
-              </a:spcAft>
-              <a:buNone/>
-            </a:pPr>
-            <a:r>
-              <a:rPr lang="en-GB"/>
-              <a:t>How many entities do you see? What are they? What are their attributes?</a:t>
-            </a:r>
-            <a:endParaRPr/>
-          </a:p>
-          <a:p>
-            <a:pPr indent="0" lvl="0" marL="0" rtl="0" algn="l">
-              <a:lnSpc>
-                <a:spcPct val="100000"/>
-              </a:lnSpc>
-              <a:spcBef>
-                <a:spcPts val="0"/>
-              </a:spcBef>
-              <a:spcAft>
-                <a:spcPts val="0"/>
-              </a:spcAft>
-              <a:buNone/>
-            </a:pPr>
-            <a:r>
-              <a:t/>
-            </a:r>
-            <a:endParaRPr/>
-          </a:p>
-        </p:txBody>
-      </p:sp>
-      <p:sp>
-        <p:nvSpPr>
-          <p:cNvPr id="161" name="Google Shape;161;g24b59ea4641_0_106"/>
-          <p:cNvSpPr txBox="1"/>
-          <p:nvPr>
-            <p:ph idx="2" type="title"/>
-          </p:nvPr>
-        </p:nvSpPr>
-        <p:spPr>
-          <a:xfrm>
-            <a:off x="1042800" y="2070550"/>
-            <a:ext cx="1955100" cy="1319100"/>
-          </a:xfrm>
-          <a:prstGeom prst="rect">
-            <a:avLst/>
-          </a:prstGeom>
-          <a:noFill/>
-          <a:ln>
-            <a:noFill/>
-          </a:ln>
-        </p:spPr>
-        <p:txBody>
-          <a:bodyPr anchorCtr="0" anchor="t" bIns="91425" lIns="91425" spcFirstLastPara="1" rIns="91425" wrap="square" tIns="91425">
-            <a:noAutofit/>
-          </a:bodyPr>
-          <a:lstStyle/>
-          <a:p>
-            <a:pPr indent="0" lvl="0" marL="0" rtl="0" algn="l">
-              <a:lnSpc>
-                <a:spcPct val="100000"/>
-              </a:lnSpc>
-              <a:spcBef>
-                <a:spcPts val="0"/>
-              </a:spcBef>
-              <a:spcAft>
-                <a:spcPts val="0"/>
-              </a:spcAft>
-              <a:buNone/>
-            </a:pPr>
-            <a:r>
-              <a:rPr b="1" lang="en-GB"/>
-              <a:t>Users</a:t>
-            </a:r>
-            <a:endParaRPr b="1"/>
-          </a:p>
-          <a:p>
-            <a:pPr indent="-317500" lvl="0" marL="457200" rtl="0" algn="l">
-              <a:lnSpc>
-                <a:spcPct val="100000"/>
-              </a:lnSpc>
-              <a:spcBef>
-                <a:spcPts val="0"/>
-              </a:spcBef>
-              <a:spcAft>
-                <a:spcPts val="0"/>
-              </a:spcAft>
-              <a:buSzPts val="1400"/>
-              <a:buChar char="●"/>
-            </a:pPr>
-            <a:r>
-              <a:rPr lang="en-GB"/>
-              <a:t>Object ID</a:t>
-            </a:r>
-            <a:endParaRPr/>
-          </a:p>
-          <a:p>
-            <a:pPr indent="-317500" lvl="0" marL="457200" rtl="0" algn="l">
-              <a:lnSpc>
-                <a:spcPct val="100000"/>
-              </a:lnSpc>
-              <a:spcBef>
-                <a:spcPts val="0"/>
-              </a:spcBef>
-              <a:spcAft>
-                <a:spcPts val="0"/>
-              </a:spcAft>
-              <a:buSzPts val="1400"/>
-              <a:buChar char="●"/>
-            </a:pPr>
-            <a:r>
-              <a:rPr lang="en-GB"/>
-              <a:t>Name</a:t>
-            </a:r>
-            <a:endParaRPr/>
-          </a:p>
-          <a:p>
-            <a:pPr indent="-317500" lvl="0" marL="457200" rtl="0" algn="l">
-              <a:lnSpc>
-                <a:spcPct val="100000"/>
-              </a:lnSpc>
-              <a:spcBef>
-                <a:spcPts val="0"/>
-              </a:spcBef>
-              <a:spcAft>
-                <a:spcPts val="0"/>
-              </a:spcAft>
-              <a:buSzPts val="1400"/>
-              <a:buChar char="●"/>
-            </a:pPr>
-            <a:r>
-              <a:rPr lang="en-GB"/>
-              <a:t>Email</a:t>
-            </a:r>
-            <a:endParaRPr/>
-          </a:p>
-          <a:p>
-            <a:pPr indent="-317500" lvl="0" marL="457200" rtl="0" algn="l">
-              <a:lnSpc>
-                <a:spcPct val="100000"/>
-              </a:lnSpc>
-              <a:spcBef>
-                <a:spcPts val="0"/>
-              </a:spcBef>
-              <a:spcAft>
-                <a:spcPts val="0"/>
-              </a:spcAft>
-              <a:buSzPts val="1400"/>
-              <a:buChar char="●"/>
-            </a:pPr>
-            <a:r>
-              <a:rPr lang="en-GB"/>
-              <a:t>Phone Number</a:t>
-            </a:r>
-            <a:endParaRPr/>
-          </a:p>
-          <a:p>
-            <a:pPr indent="0" lvl="0" marL="0" rtl="0" algn="l">
-              <a:lnSpc>
-                <a:spcPct val="100000"/>
-              </a:lnSpc>
-              <a:spcBef>
-                <a:spcPts val="0"/>
-              </a:spcBef>
-              <a:spcAft>
-                <a:spcPts val="0"/>
-              </a:spcAft>
-              <a:buNone/>
-            </a:pPr>
-            <a:r>
-              <a:t/>
-            </a:r>
-            <a:endParaRPr/>
-          </a:p>
-          <a:p>
-            <a:pPr indent="0" lvl="0" marL="0" rtl="0" algn="l">
-              <a:lnSpc>
-                <a:spcPct val="100000"/>
-              </a:lnSpc>
-              <a:spcBef>
-                <a:spcPts val="0"/>
-              </a:spcBef>
-              <a:spcAft>
-                <a:spcPts val="0"/>
-              </a:spcAft>
-              <a:buNone/>
-            </a:pPr>
-            <a:r>
-              <a:t/>
-            </a:r>
-            <a:endParaRPr/>
-          </a:p>
-        </p:txBody>
-      </p:sp>
-      <p:sp>
-        <p:nvSpPr>
-          <p:cNvPr id="162" name="Google Shape;162;g24b59ea4641_0_106"/>
-          <p:cNvSpPr txBox="1"/>
-          <p:nvPr>
-            <p:ph idx="2" type="title"/>
-          </p:nvPr>
-        </p:nvSpPr>
-        <p:spPr>
-          <a:xfrm>
-            <a:off x="3164850" y="2070550"/>
-            <a:ext cx="2997600" cy="1319100"/>
-          </a:xfrm>
-          <a:prstGeom prst="rect">
-            <a:avLst/>
-          </a:prstGeom>
-          <a:noFill/>
-          <a:ln>
-            <a:noFill/>
-          </a:ln>
-        </p:spPr>
-        <p:txBody>
-          <a:bodyPr anchorCtr="0" anchor="t" bIns="91425" lIns="91425" spcFirstLastPara="1" rIns="91425" wrap="square" tIns="91425">
-            <a:noAutofit/>
-          </a:bodyPr>
-          <a:lstStyle/>
-          <a:p>
-            <a:pPr indent="0" lvl="0" marL="0" rtl="0" algn="l">
-              <a:lnSpc>
-                <a:spcPct val="100000"/>
-              </a:lnSpc>
-              <a:spcBef>
-                <a:spcPts val="0"/>
-              </a:spcBef>
-              <a:spcAft>
-                <a:spcPts val="0"/>
-              </a:spcAft>
-              <a:buNone/>
-            </a:pPr>
-            <a:r>
-              <a:rPr b="1" lang="en-GB"/>
-              <a:t>Merchants</a:t>
-            </a:r>
-            <a:endParaRPr b="1"/>
-          </a:p>
-          <a:p>
-            <a:pPr indent="-317500" lvl="0" marL="457200" rtl="0" algn="l">
-              <a:lnSpc>
-                <a:spcPct val="100000"/>
-              </a:lnSpc>
-              <a:spcBef>
-                <a:spcPts val="0"/>
-              </a:spcBef>
-              <a:spcAft>
-                <a:spcPts val="0"/>
-              </a:spcAft>
-              <a:buSzPts val="1400"/>
-              <a:buChar char="●"/>
-            </a:pPr>
-            <a:r>
-              <a:rPr lang="en-GB"/>
-              <a:t>Object ID</a:t>
-            </a:r>
-            <a:endParaRPr/>
-          </a:p>
-          <a:p>
-            <a:pPr indent="-317500" lvl="0" marL="457200" rtl="0" algn="l">
-              <a:lnSpc>
-                <a:spcPct val="100000"/>
-              </a:lnSpc>
-              <a:spcBef>
-                <a:spcPts val="0"/>
-              </a:spcBef>
-              <a:spcAft>
-                <a:spcPts val="0"/>
-              </a:spcAft>
-              <a:buSzPts val="1400"/>
-              <a:buChar char="●"/>
-            </a:pPr>
-            <a:r>
-              <a:rPr lang="en-GB"/>
-              <a:t>Company Name</a:t>
-            </a:r>
-            <a:endParaRPr/>
-          </a:p>
-          <a:p>
-            <a:pPr indent="-317500" lvl="0" marL="457200" rtl="0" algn="l">
-              <a:lnSpc>
-                <a:spcPct val="100000"/>
-              </a:lnSpc>
-              <a:spcBef>
-                <a:spcPts val="0"/>
-              </a:spcBef>
-              <a:spcAft>
-                <a:spcPts val="0"/>
-              </a:spcAft>
-              <a:buSzPts val="1400"/>
-              <a:buChar char="●"/>
-            </a:pPr>
-            <a:r>
-              <a:rPr lang="en-GB"/>
-              <a:t>Company Email</a:t>
-            </a:r>
-            <a:endParaRPr/>
-          </a:p>
-          <a:p>
-            <a:pPr indent="-317500" lvl="0" marL="457200" rtl="0" algn="l">
-              <a:lnSpc>
-                <a:spcPct val="100000"/>
-              </a:lnSpc>
-              <a:spcBef>
-                <a:spcPts val="0"/>
-              </a:spcBef>
-              <a:spcAft>
-                <a:spcPts val="0"/>
-              </a:spcAft>
-              <a:buSzPts val="1400"/>
-              <a:buChar char="●"/>
-            </a:pPr>
-            <a:r>
-              <a:rPr lang="en-GB"/>
-              <a:t>Phone Number</a:t>
-            </a:r>
-            <a:endParaRPr/>
-          </a:p>
-          <a:p>
-            <a:pPr indent="0" lvl="0" marL="0" rtl="0" algn="l">
-              <a:lnSpc>
-                <a:spcPct val="100000"/>
-              </a:lnSpc>
-              <a:spcBef>
-                <a:spcPts val="0"/>
-              </a:spcBef>
-              <a:spcAft>
-                <a:spcPts val="0"/>
-              </a:spcAft>
-              <a:buNone/>
-            </a:pPr>
-            <a:r>
-              <a:t/>
-            </a:r>
-            <a:endParaRPr/>
-          </a:p>
-          <a:p>
-            <a:pPr indent="0" lvl="0" marL="0" rtl="0" algn="l">
-              <a:lnSpc>
-                <a:spcPct val="100000"/>
-              </a:lnSpc>
-              <a:spcBef>
-                <a:spcPts val="0"/>
-              </a:spcBef>
-              <a:spcAft>
-                <a:spcPts val="0"/>
-              </a:spcAft>
-              <a:buNone/>
-            </a:pPr>
-            <a:r>
-              <a:t/>
-            </a:r>
-            <a:endParaRPr/>
-          </a:p>
-          <a:p>
-            <a:pPr indent="0" lvl="0" marL="0" rtl="0" algn="l">
-              <a:lnSpc>
-                <a:spcPct val="100000"/>
-              </a:lnSpc>
-              <a:spcBef>
-                <a:spcPts val="0"/>
-              </a:spcBef>
-              <a:spcAft>
-                <a:spcPts val="0"/>
-              </a:spcAft>
-              <a:buNone/>
-            </a:pPr>
-            <a:r>
-              <a:t/>
-            </a:r>
-            <a:endParaRPr/>
-          </a:p>
-        </p:txBody>
-      </p:sp>
-      <p:sp>
-        <p:nvSpPr>
-          <p:cNvPr id="163" name="Google Shape;163;g24b59ea4641_0_106"/>
-          <p:cNvSpPr txBox="1"/>
-          <p:nvPr>
-            <p:ph idx="2" type="title"/>
-          </p:nvPr>
-        </p:nvSpPr>
-        <p:spPr>
-          <a:xfrm>
-            <a:off x="1092525" y="3539175"/>
-            <a:ext cx="3109800" cy="1319100"/>
-          </a:xfrm>
-          <a:prstGeom prst="rect">
-            <a:avLst/>
-          </a:prstGeom>
-          <a:noFill/>
-          <a:ln>
-            <a:noFill/>
-          </a:ln>
-        </p:spPr>
-        <p:txBody>
-          <a:bodyPr anchorCtr="0" anchor="t" bIns="91425" lIns="91425" spcFirstLastPara="1" rIns="91425" wrap="square" tIns="91425">
-            <a:noAutofit/>
-          </a:bodyPr>
-          <a:lstStyle/>
-          <a:p>
-            <a:pPr indent="0" lvl="0" marL="0" rtl="0" algn="l">
-              <a:lnSpc>
-                <a:spcPct val="100000"/>
-              </a:lnSpc>
-              <a:spcBef>
-                <a:spcPts val="0"/>
-              </a:spcBef>
-              <a:spcAft>
-                <a:spcPts val="0"/>
-              </a:spcAft>
-              <a:buNone/>
-            </a:pPr>
-            <a:r>
-              <a:rPr b="1" lang="en-GB"/>
-              <a:t>Users Transactions</a:t>
-            </a:r>
-            <a:endParaRPr b="1"/>
-          </a:p>
-          <a:p>
-            <a:pPr indent="-317500" lvl="0" marL="457200" rtl="0" algn="l">
-              <a:lnSpc>
-                <a:spcPct val="100000"/>
-              </a:lnSpc>
-              <a:spcBef>
-                <a:spcPts val="0"/>
-              </a:spcBef>
-              <a:spcAft>
-                <a:spcPts val="0"/>
-              </a:spcAft>
-              <a:buSzPts val="1400"/>
-              <a:buChar char="●"/>
-            </a:pPr>
-            <a:r>
-              <a:rPr lang="en-GB"/>
-              <a:t>Object ID</a:t>
-            </a:r>
-            <a:endParaRPr/>
-          </a:p>
-          <a:p>
-            <a:pPr indent="-317500" lvl="0" marL="457200" rtl="0" algn="l">
-              <a:lnSpc>
-                <a:spcPct val="100000"/>
-              </a:lnSpc>
-              <a:spcBef>
-                <a:spcPts val="0"/>
-              </a:spcBef>
-              <a:spcAft>
-                <a:spcPts val="0"/>
-              </a:spcAft>
-              <a:buSzPts val="1400"/>
-              <a:buChar char="●"/>
-            </a:pPr>
-            <a:r>
-              <a:rPr lang="en-GB"/>
-              <a:t>User Object ID</a:t>
-            </a:r>
-            <a:endParaRPr/>
-          </a:p>
-          <a:p>
-            <a:pPr indent="-317500" lvl="0" marL="457200" rtl="0" algn="l">
-              <a:lnSpc>
-                <a:spcPct val="100000"/>
-              </a:lnSpc>
-              <a:spcBef>
-                <a:spcPts val="0"/>
-              </a:spcBef>
-              <a:spcAft>
-                <a:spcPts val="0"/>
-              </a:spcAft>
-              <a:buSzPts val="1400"/>
-              <a:buChar char="●"/>
-            </a:pPr>
-            <a:r>
-              <a:rPr lang="en-GB"/>
-              <a:t>Type (Add/Deduct)</a:t>
-            </a:r>
-            <a:endParaRPr/>
-          </a:p>
-          <a:p>
-            <a:pPr indent="-317500" lvl="0" marL="457200" rtl="0" algn="l">
-              <a:lnSpc>
-                <a:spcPct val="100000"/>
-              </a:lnSpc>
-              <a:spcBef>
-                <a:spcPts val="0"/>
-              </a:spcBef>
-              <a:spcAft>
-                <a:spcPts val="0"/>
-              </a:spcAft>
-              <a:buSzPts val="1400"/>
-              <a:buChar char="●"/>
-            </a:pPr>
-            <a:r>
-              <a:rPr lang="en-GB"/>
-              <a:t>Timestamp</a:t>
-            </a:r>
-            <a:endParaRPr/>
-          </a:p>
-          <a:p>
-            <a:pPr indent="-317500" lvl="0" marL="457200" rtl="0" algn="l">
-              <a:lnSpc>
-                <a:spcPct val="100000"/>
-              </a:lnSpc>
-              <a:spcBef>
-                <a:spcPts val="0"/>
-              </a:spcBef>
-              <a:spcAft>
-                <a:spcPts val="0"/>
-              </a:spcAft>
-              <a:buSzPts val="1400"/>
-              <a:buChar char="●"/>
-            </a:pPr>
-            <a:r>
-              <a:rPr lang="en-GB"/>
-              <a:t>Amount</a:t>
-            </a:r>
-            <a:endParaRPr/>
-          </a:p>
-          <a:p>
-            <a:pPr indent="0" lvl="0" marL="0" rtl="0" algn="l">
-              <a:lnSpc>
-                <a:spcPct val="100000"/>
-              </a:lnSpc>
-              <a:spcBef>
-                <a:spcPts val="0"/>
-              </a:spcBef>
-              <a:spcAft>
-                <a:spcPts val="0"/>
-              </a:spcAft>
-              <a:buNone/>
-            </a:pPr>
-            <a:r>
-              <a:t/>
-            </a:r>
-            <a:endParaRPr/>
-          </a:p>
-          <a:p>
-            <a:pPr indent="0" lvl="0" marL="0" rtl="0" algn="l">
-              <a:lnSpc>
-                <a:spcPct val="100000"/>
-              </a:lnSpc>
-              <a:spcBef>
-                <a:spcPts val="0"/>
-              </a:spcBef>
-              <a:spcAft>
-                <a:spcPts val="0"/>
-              </a:spcAft>
-              <a:buNone/>
-            </a:pPr>
-            <a:r>
-              <a:t/>
-            </a:r>
-            <a:endParaRPr/>
-          </a:p>
-        </p:txBody>
-      </p:sp>
-      <p:sp>
-        <p:nvSpPr>
-          <p:cNvPr id="164" name="Google Shape;164;g24b59ea4641_0_106"/>
-          <p:cNvSpPr txBox="1"/>
-          <p:nvPr>
-            <p:ph idx="2" type="title"/>
-          </p:nvPr>
-        </p:nvSpPr>
-        <p:spPr>
-          <a:xfrm>
-            <a:off x="3214575" y="3539175"/>
-            <a:ext cx="3778800" cy="1319100"/>
-          </a:xfrm>
-          <a:prstGeom prst="rect">
-            <a:avLst/>
-          </a:prstGeom>
-          <a:noFill/>
-          <a:ln>
-            <a:noFill/>
-          </a:ln>
-        </p:spPr>
-        <p:txBody>
-          <a:bodyPr anchorCtr="0" anchor="t" bIns="91425" lIns="91425" spcFirstLastPara="1" rIns="91425" wrap="square" tIns="91425">
-            <a:noAutofit/>
-          </a:bodyPr>
-          <a:lstStyle/>
-          <a:p>
-            <a:pPr indent="0" lvl="0" marL="0" rtl="0" algn="l">
-              <a:lnSpc>
-                <a:spcPct val="100000"/>
-              </a:lnSpc>
-              <a:spcBef>
-                <a:spcPts val="0"/>
-              </a:spcBef>
-              <a:spcAft>
-                <a:spcPts val="0"/>
-              </a:spcAft>
-              <a:buNone/>
-            </a:pPr>
-            <a:r>
-              <a:rPr b="1" lang="en-GB"/>
-              <a:t>Merchant Transactions</a:t>
-            </a:r>
-            <a:endParaRPr b="1"/>
-          </a:p>
-          <a:p>
-            <a:pPr indent="-317500" lvl="0" marL="457200" rtl="0" algn="l">
-              <a:lnSpc>
-                <a:spcPct val="100000"/>
-              </a:lnSpc>
-              <a:spcBef>
-                <a:spcPts val="0"/>
-              </a:spcBef>
-              <a:spcAft>
-                <a:spcPts val="0"/>
-              </a:spcAft>
-              <a:buSzPts val="1400"/>
-              <a:buChar char="●"/>
-            </a:pPr>
-            <a:r>
-              <a:rPr lang="en-GB"/>
-              <a:t>Object ID</a:t>
-            </a:r>
-            <a:endParaRPr/>
-          </a:p>
-          <a:p>
-            <a:pPr indent="-317500" lvl="0" marL="457200" rtl="0" algn="l">
-              <a:lnSpc>
-                <a:spcPct val="100000"/>
-              </a:lnSpc>
-              <a:spcBef>
-                <a:spcPts val="0"/>
-              </a:spcBef>
-              <a:spcAft>
-                <a:spcPts val="0"/>
-              </a:spcAft>
-              <a:buSzPts val="1400"/>
-              <a:buChar char="●"/>
-            </a:pPr>
-            <a:r>
-              <a:rPr lang="en-GB"/>
-              <a:t>Merchant Object ID</a:t>
-            </a:r>
-            <a:endParaRPr/>
-          </a:p>
-          <a:p>
-            <a:pPr indent="-317500" lvl="0" marL="457200" rtl="0" algn="l">
-              <a:lnSpc>
-                <a:spcPct val="100000"/>
-              </a:lnSpc>
-              <a:spcBef>
-                <a:spcPts val="0"/>
-              </a:spcBef>
-              <a:spcAft>
-                <a:spcPts val="0"/>
-              </a:spcAft>
-              <a:buSzPts val="1400"/>
-              <a:buChar char="●"/>
-            </a:pPr>
-            <a:r>
-              <a:rPr lang="en-GB"/>
-              <a:t>Timestamp</a:t>
-            </a:r>
-            <a:endParaRPr/>
-          </a:p>
-          <a:p>
-            <a:pPr indent="-317500" lvl="0" marL="457200" rtl="0" algn="l">
-              <a:lnSpc>
-                <a:spcPct val="100000"/>
-              </a:lnSpc>
-              <a:spcBef>
-                <a:spcPts val="0"/>
-              </a:spcBef>
-              <a:spcAft>
-                <a:spcPts val="0"/>
-              </a:spcAft>
-              <a:buSzPts val="1400"/>
-              <a:buChar char="●"/>
-            </a:pPr>
-            <a:r>
-              <a:rPr lang="en-GB"/>
-              <a:t>Amount</a:t>
             </a:r>
             <a:endParaRPr/>
           </a:p>
@@ -13289,7 +12374,7 @@
   <p:cSld>
     <p:spTree>
       <p:nvGrpSpPr>
-        <p:cNvPr id="168" name="Shape 168"/>
+        <p:cNvPr id="165" name="Shape 165"/>
         <p:cNvGrpSpPr/>
         <p:nvPr/>
       </p:nvGrpSpPr>
@@ -13303,7 +12388,1097 @@
       </p:grpSpPr>
       <p:sp>
         <p:nvSpPr>
-          <p:cNvPr id="169" name="Google Shape;169;p37"/>
+          <p:cNvPr id="166" name="Google Shape;166;g24b59ea4641_0_99"/>
+          <p:cNvSpPr txBox="1"/>
+          <p:nvPr>
+            <p:ph type="title"/>
+          </p:nvPr>
+        </p:nvSpPr>
+        <p:spPr>
+          <a:xfrm>
+            <a:off x="793325" y="551900"/>
+            <a:ext cx="7767600" cy="2401200"/>
+          </a:xfrm>
+          <a:prstGeom prst="rect">
+            <a:avLst/>
+          </a:prstGeom>
+          <a:noFill/>
+          <a:ln>
+            <a:noFill/>
+          </a:ln>
+        </p:spPr>
+        <p:txBody>
+          <a:bodyPr anchorCtr="0" anchor="t" bIns="91425" lIns="91425" spcFirstLastPara="1" rIns="91425" wrap="square" tIns="91425">
+            <a:spAutoFit/>
+          </a:bodyPr>
+          <a:lstStyle/>
+          <a:p>
+            <a:pPr indent="0" lvl="0" marL="0" rtl="0" algn="l">
+              <a:lnSpc>
+                <a:spcPct val="100000"/>
+              </a:lnSpc>
+              <a:spcBef>
+                <a:spcPts val="0"/>
+              </a:spcBef>
+              <a:spcAft>
+                <a:spcPts val="0"/>
+              </a:spcAft>
+              <a:buNone/>
+            </a:pPr>
+            <a:r>
+              <a:rPr lang="en-GB"/>
+              <a:t>Q: Let's start by identifying the entities in our system.</a:t>
+            </a:r>
+            <a:endParaRPr/>
+          </a:p>
+          <a:p>
+            <a:pPr indent="0" lvl="0" marL="0" rtl="0" algn="l">
+              <a:lnSpc>
+                <a:spcPct val="100000"/>
+              </a:lnSpc>
+              <a:spcBef>
+                <a:spcPts val="0"/>
+              </a:spcBef>
+              <a:spcAft>
+                <a:spcPts val="0"/>
+              </a:spcAft>
+              <a:buNone/>
+            </a:pPr>
+            <a:r>
+              <a:t/>
+            </a:r>
+            <a:endParaRPr/>
+          </a:p>
+          <a:p>
+            <a:pPr indent="0" lvl="0" marL="0" rtl="0" algn="l">
+              <a:lnSpc>
+                <a:spcPct val="100000"/>
+              </a:lnSpc>
+              <a:spcBef>
+                <a:spcPts val="0"/>
+              </a:spcBef>
+              <a:spcAft>
+                <a:spcPts val="0"/>
+              </a:spcAft>
+              <a:buNone/>
+            </a:pPr>
+            <a:r>
+              <a:t/>
+            </a:r>
+            <a:endParaRPr/>
+          </a:p>
+          <a:p>
+            <a:pPr indent="0" lvl="0" marL="0" rtl="0" algn="l">
+              <a:lnSpc>
+                <a:spcPct val="100000"/>
+              </a:lnSpc>
+              <a:spcBef>
+                <a:spcPts val="0"/>
+              </a:spcBef>
+              <a:spcAft>
+                <a:spcPts val="0"/>
+              </a:spcAft>
+              <a:buNone/>
+            </a:pPr>
+            <a:r>
+              <a:t/>
+            </a:r>
+            <a:endParaRPr/>
+          </a:p>
+          <a:p>
+            <a:pPr indent="0" lvl="0" marL="0" rtl="0" algn="l">
+              <a:lnSpc>
+                <a:spcPct val="100000"/>
+              </a:lnSpc>
+              <a:spcBef>
+                <a:spcPts val="0"/>
+              </a:spcBef>
+              <a:spcAft>
+                <a:spcPts val="0"/>
+              </a:spcAft>
+              <a:buNone/>
+            </a:pPr>
+            <a:r>
+              <a:t/>
+            </a:r>
+            <a:endParaRPr/>
+          </a:p>
+        </p:txBody>
+      </p:sp>
+      <p:sp>
+        <p:nvSpPr>
+          <p:cNvPr id="167" name="Google Shape;167;g24b59ea4641_0_99"/>
+          <p:cNvSpPr txBox="1"/>
+          <p:nvPr>
+            <p:ph idx="2" type="title"/>
+          </p:nvPr>
+        </p:nvSpPr>
+        <p:spPr>
+          <a:xfrm>
+            <a:off x="952050" y="1526075"/>
+            <a:ext cx="7058400" cy="2994600"/>
+          </a:xfrm>
+          <a:prstGeom prst="rect">
+            <a:avLst/>
+          </a:prstGeom>
+          <a:noFill/>
+          <a:ln>
+            <a:noFill/>
+          </a:ln>
+        </p:spPr>
+        <p:txBody>
+          <a:bodyPr anchorCtr="0" anchor="t" bIns="91425" lIns="91425" spcFirstLastPara="1" rIns="91425" wrap="square" tIns="91425">
+            <a:noAutofit/>
+          </a:bodyPr>
+          <a:lstStyle/>
+          <a:p>
+            <a:pPr indent="0" lvl="0" marL="0" rtl="0" algn="l">
+              <a:lnSpc>
+                <a:spcPct val="100000"/>
+              </a:lnSpc>
+              <a:spcBef>
+                <a:spcPts val="0"/>
+              </a:spcBef>
+              <a:spcAft>
+                <a:spcPts val="0"/>
+              </a:spcAft>
+              <a:buNone/>
+            </a:pPr>
+            <a:r>
+              <a:rPr lang="en-GB"/>
+              <a:t>How many entities do you see? What are they? What are their attributes?</a:t>
+            </a:r>
+            <a:endParaRPr/>
+          </a:p>
+        </p:txBody>
+      </p:sp>
+    </p:spTree>
+  </p:cSld>
+  <p:clrMapOvr>
+    <a:masterClrMapping/>
+  </p:clrMapOvr>
+</p:sld>
+</file>
+
+<file path=ppt/slides/slide21.xml><?xml version="1.0" encoding="utf-8"?>
+<p:sld xmlns:a="http://schemas.openxmlformats.org/drawingml/2006/main" xmlns:r="http://schemas.openxmlformats.org/officeDocument/2006/relationships" xmlns:mc="http://schemas.openxmlformats.org/markup-compatibility/2006" xmlns:mv="urn:schemas-microsoft-com:mac:vml" xmlns:p="http://schemas.openxmlformats.org/presentationml/2006/main" xmlns:c="http://schemas.openxmlformats.org/drawingml/2006/chart" xmlns:dgm="http://schemas.openxmlformats.org/drawingml/2006/diagram" xmlns:o="urn:schemas-microsoft-com:office:office" xmlns:v="urn:schemas-microsoft-com:vml" xmlns:pvml="urn:schemas-microsoft-com:office:powerpoint" xmlns:com="http://schemas.openxmlformats.org/drawingml/2006/compatibility" xmlns:p14="http://schemas.microsoft.com/office/powerpoint/2010/main" xmlns:p15="http://schemas.microsoft.com/office/powerpoint/2012/main" xmlns:ahyp="http://schemas.microsoft.com/office/drawing/2018/hyperlinkcolor">
+  <p:cSld>
+    <p:spTree>
+      <p:nvGrpSpPr>
+        <p:cNvPr id="171" name="Shape 171"/>
+        <p:cNvGrpSpPr/>
+        <p:nvPr/>
+      </p:nvGrpSpPr>
+      <p:grpSpPr>
+        <a:xfrm>
+          <a:off x="0" y="0"/>
+          <a:ext cx="0" cy="0"/>
+          <a:chOff x="0" y="0"/>
+          <a:chExt cx="0" cy="0"/>
+        </a:xfrm>
+      </p:grpSpPr>
+      <p:sp>
+        <p:nvSpPr>
+          <p:cNvPr id="172" name="Google Shape;172;g24b59ea4641_0_106"/>
+          <p:cNvSpPr txBox="1"/>
+          <p:nvPr>
+            <p:ph type="title"/>
+          </p:nvPr>
+        </p:nvSpPr>
+        <p:spPr>
+          <a:xfrm>
+            <a:off x="793325" y="551900"/>
+            <a:ext cx="7767600" cy="2401200"/>
+          </a:xfrm>
+          <a:prstGeom prst="rect">
+            <a:avLst/>
+          </a:prstGeom>
+          <a:noFill/>
+          <a:ln>
+            <a:noFill/>
+          </a:ln>
+        </p:spPr>
+        <p:txBody>
+          <a:bodyPr anchorCtr="0" anchor="t" bIns="91425" lIns="91425" spcFirstLastPara="1" rIns="91425" wrap="square" tIns="91425">
+            <a:spAutoFit/>
+          </a:bodyPr>
+          <a:lstStyle/>
+          <a:p>
+            <a:pPr indent="0" lvl="0" marL="0" rtl="0" algn="l">
+              <a:lnSpc>
+                <a:spcPct val="100000"/>
+              </a:lnSpc>
+              <a:spcBef>
+                <a:spcPts val="0"/>
+              </a:spcBef>
+              <a:spcAft>
+                <a:spcPts val="0"/>
+              </a:spcAft>
+              <a:buNone/>
+            </a:pPr>
+            <a:r>
+              <a:rPr lang="en-GB"/>
+              <a:t>Q: Let's start by identifying the entities in our system.</a:t>
+            </a:r>
+            <a:endParaRPr/>
+          </a:p>
+          <a:p>
+            <a:pPr indent="0" lvl="0" marL="0" rtl="0" algn="l">
+              <a:lnSpc>
+                <a:spcPct val="100000"/>
+              </a:lnSpc>
+              <a:spcBef>
+                <a:spcPts val="0"/>
+              </a:spcBef>
+              <a:spcAft>
+                <a:spcPts val="0"/>
+              </a:spcAft>
+              <a:buNone/>
+            </a:pPr>
+            <a:r>
+              <a:t/>
+            </a:r>
+            <a:endParaRPr/>
+          </a:p>
+          <a:p>
+            <a:pPr indent="0" lvl="0" marL="0" rtl="0" algn="l">
+              <a:lnSpc>
+                <a:spcPct val="100000"/>
+              </a:lnSpc>
+              <a:spcBef>
+                <a:spcPts val="0"/>
+              </a:spcBef>
+              <a:spcAft>
+                <a:spcPts val="0"/>
+              </a:spcAft>
+              <a:buNone/>
+            </a:pPr>
+            <a:r>
+              <a:t/>
+            </a:r>
+            <a:endParaRPr/>
+          </a:p>
+          <a:p>
+            <a:pPr indent="0" lvl="0" marL="0" rtl="0" algn="l">
+              <a:lnSpc>
+                <a:spcPct val="100000"/>
+              </a:lnSpc>
+              <a:spcBef>
+                <a:spcPts val="0"/>
+              </a:spcBef>
+              <a:spcAft>
+                <a:spcPts val="0"/>
+              </a:spcAft>
+              <a:buNone/>
+            </a:pPr>
+            <a:r>
+              <a:t/>
+            </a:r>
+            <a:endParaRPr/>
+          </a:p>
+          <a:p>
+            <a:pPr indent="0" lvl="0" marL="0" rtl="0" algn="l">
+              <a:lnSpc>
+                <a:spcPct val="100000"/>
+              </a:lnSpc>
+              <a:spcBef>
+                <a:spcPts val="0"/>
+              </a:spcBef>
+              <a:spcAft>
+                <a:spcPts val="0"/>
+              </a:spcAft>
+              <a:buNone/>
+            </a:pPr>
+            <a:r>
+              <a:t/>
+            </a:r>
+            <a:endParaRPr/>
+          </a:p>
+        </p:txBody>
+      </p:sp>
+      <p:sp>
+        <p:nvSpPr>
+          <p:cNvPr id="173" name="Google Shape;173;g24b59ea4641_0_106"/>
+          <p:cNvSpPr txBox="1"/>
+          <p:nvPr>
+            <p:ph idx="2" type="title"/>
+          </p:nvPr>
+        </p:nvSpPr>
+        <p:spPr>
+          <a:xfrm>
+            <a:off x="952050" y="1526075"/>
+            <a:ext cx="7058400" cy="493500"/>
+          </a:xfrm>
+          <a:prstGeom prst="rect">
+            <a:avLst/>
+          </a:prstGeom>
+          <a:noFill/>
+          <a:ln>
+            <a:noFill/>
+          </a:ln>
+        </p:spPr>
+        <p:txBody>
+          <a:bodyPr anchorCtr="0" anchor="t" bIns="91425" lIns="91425" spcFirstLastPara="1" rIns="91425" wrap="square" tIns="91425">
+            <a:noAutofit/>
+          </a:bodyPr>
+          <a:lstStyle/>
+          <a:p>
+            <a:pPr indent="0" lvl="0" marL="0" rtl="0" algn="l">
+              <a:lnSpc>
+                <a:spcPct val="100000"/>
+              </a:lnSpc>
+              <a:spcBef>
+                <a:spcPts val="0"/>
+              </a:spcBef>
+              <a:spcAft>
+                <a:spcPts val="0"/>
+              </a:spcAft>
+              <a:buNone/>
+            </a:pPr>
+            <a:r>
+              <a:rPr lang="en-GB"/>
+              <a:t>How many entities do you see? What are they? What are their attributes?</a:t>
+            </a:r>
+            <a:endParaRPr/>
+          </a:p>
+          <a:p>
+            <a:pPr indent="0" lvl="0" marL="0" rtl="0" algn="l">
+              <a:lnSpc>
+                <a:spcPct val="100000"/>
+              </a:lnSpc>
+              <a:spcBef>
+                <a:spcPts val="0"/>
+              </a:spcBef>
+              <a:spcAft>
+                <a:spcPts val="0"/>
+              </a:spcAft>
+              <a:buNone/>
+            </a:pPr>
+            <a:r>
+              <a:t/>
+            </a:r>
+            <a:endParaRPr/>
+          </a:p>
+        </p:txBody>
+      </p:sp>
+      <p:sp>
+        <p:nvSpPr>
+          <p:cNvPr id="174" name="Google Shape;174;g24b59ea4641_0_106"/>
+          <p:cNvSpPr txBox="1"/>
+          <p:nvPr>
+            <p:ph idx="2" type="title"/>
+          </p:nvPr>
+        </p:nvSpPr>
+        <p:spPr>
+          <a:xfrm>
+            <a:off x="1042800" y="2070550"/>
+            <a:ext cx="1955100" cy="1319100"/>
+          </a:xfrm>
+          <a:prstGeom prst="rect">
+            <a:avLst/>
+          </a:prstGeom>
+          <a:noFill/>
+          <a:ln>
+            <a:noFill/>
+          </a:ln>
+        </p:spPr>
+        <p:txBody>
+          <a:bodyPr anchorCtr="0" anchor="t" bIns="91425" lIns="91425" spcFirstLastPara="1" rIns="91425" wrap="square" tIns="91425">
+            <a:noAutofit/>
+          </a:bodyPr>
+          <a:lstStyle/>
+          <a:p>
+            <a:pPr indent="0" lvl="0" marL="0" rtl="0" algn="l">
+              <a:lnSpc>
+                <a:spcPct val="100000"/>
+              </a:lnSpc>
+              <a:spcBef>
+                <a:spcPts val="0"/>
+              </a:spcBef>
+              <a:spcAft>
+                <a:spcPts val="0"/>
+              </a:spcAft>
+              <a:buNone/>
+            </a:pPr>
+            <a:r>
+              <a:rPr b="1" lang="en-GB"/>
+              <a:t>Users</a:t>
+            </a:r>
+            <a:endParaRPr b="1"/>
+          </a:p>
+          <a:p>
+            <a:pPr indent="-317500" lvl="0" marL="457200" rtl="0" algn="l">
+              <a:lnSpc>
+                <a:spcPct val="100000"/>
+              </a:lnSpc>
+              <a:spcBef>
+                <a:spcPts val="0"/>
+              </a:spcBef>
+              <a:spcAft>
+                <a:spcPts val="0"/>
+              </a:spcAft>
+              <a:buSzPts val="1400"/>
+              <a:buChar char="●"/>
+            </a:pPr>
+            <a:r>
+              <a:rPr lang="en-GB"/>
+              <a:t>Object ID</a:t>
+            </a:r>
+            <a:endParaRPr/>
+          </a:p>
+          <a:p>
+            <a:pPr indent="-317500" lvl="0" marL="457200" rtl="0" algn="l">
+              <a:lnSpc>
+                <a:spcPct val="100000"/>
+              </a:lnSpc>
+              <a:spcBef>
+                <a:spcPts val="0"/>
+              </a:spcBef>
+              <a:spcAft>
+                <a:spcPts val="0"/>
+              </a:spcAft>
+              <a:buSzPts val="1400"/>
+              <a:buChar char="●"/>
+            </a:pPr>
+            <a:r>
+              <a:rPr lang="en-GB"/>
+              <a:t>Name</a:t>
+            </a:r>
+            <a:endParaRPr/>
+          </a:p>
+          <a:p>
+            <a:pPr indent="-317500" lvl="0" marL="457200" rtl="0" algn="l">
+              <a:lnSpc>
+                <a:spcPct val="100000"/>
+              </a:lnSpc>
+              <a:spcBef>
+                <a:spcPts val="0"/>
+              </a:spcBef>
+              <a:spcAft>
+                <a:spcPts val="0"/>
+              </a:spcAft>
+              <a:buSzPts val="1400"/>
+              <a:buChar char="●"/>
+            </a:pPr>
+            <a:r>
+              <a:rPr lang="en-GB"/>
+              <a:t>Email</a:t>
+            </a:r>
+            <a:endParaRPr/>
+          </a:p>
+          <a:p>
+            <a:pPr indent="-317500" lvl="0" marL="457200" rtl="0" algn="l">
+              <a:lnSpc>
+                <a:spcPct val="100000"/>
+              </a:lnSpc>
+              <a:spcBef>
+                <a:spcPts val="0"/>
+              </a:spcBef>
+              <a:spcAft>
+                <a:spcPts val="0"/>
+              </a:spcAft>
+              <a:buSzPts val="1400"/>
+              <a:buChar char="●"/>
+            </a:pPr>
+            <a:r>
+              <a:rPr lang="en-GB"/>
+              <a:t>Phone Number</a:t>
+            </a:r>
+            <a:endParaRPr/>
+          </a:p>
+          <a:p>
+            <a:pPr indent="0" lvl="0" marL="0" rtl="0" algn="l">
+              <a:lnSpc>
+                <a:spcPct val="100000"/>
+              </a:lnSpc>
+              <a:spcBef>
+                <a:spcPts val="0"/>
+              </a:spcBef>
+              <a:spcAft>
+                <a:spcPts val="0"/>
+              </a:spcAft>
+              <a:buNone/>
+            </a:pPr>
+            <a:r>
+              <a:t/>
+            </a:r>
+            <a:endParaRPr/>
+          </a:p>
+          <a:p>
+            <a:pPr indent="0" lvl="0" marL="0" rtl="0" algn="l">
+              <a:lnSpc>
+                <a:spcPct val="100000"/>
+              </a:lnSpc>
+              <a:spcBef>
+                <a:spcPts val="0"/>
+              </a:spcBef>
+              <a:spcAft>
+                <a:spcPts val="0"/>
+              </a:spcAft>
+              <a:buNone/>
+            </a:pPr>
+            <a:r>
+              <a:t/>
+            </a:r>
+            <a:endParaRPr/>
+          </a:p>
+        </p:txBody>
+      </p:sp>
+      <p:sp>
+        <p:nvSpPr>
+          <p:cNvPr id="175" name="Google Shape;175;g24b59ea4641_0_106"/>
+          <p:cNvSpPr txBox="1"/>
+          <p:nvPr>
+            <p:ph idx="2" type="title"/>
+          </p:nvPr>
+        </p:nvSpPr>
+        <p:spPr>
+          <a:xfrm>
+            <a:off x="3164850" y="2070550"/>
+            <a:ext cx="2997600" cy="1319100"/>
+          </a:xfrm>
+          <a:prstGeom prst="rect">
+            <a:avLst/>
+          </a:prstGeom>
+          <a:noFill/>
+          <a:ln>
+            <a:noFill/>
+          </a:ln>
+        </p:spPr>
+        <p:txBody>
+          <a:bodyPr anchorCtr="0" anchor="t" bIns="91425" lIns="91425" spcFirstLastPara="1" rIns="91425" wrap="square" tIns="91425">
+            <a:noAutofit/>
+          </a:bodyPr>
+          <a:lstStyle/>
+          <a:p>
+            <a:pPr indent="0" lvl="0" marL="0" rtl="0" algn="l">
+              <a:lnSpc>
+                <a:spcPct val="100000"/>
+              </a:lnSpc>
+              <a:spcBef>
+                <a:spcPts val="0"/>
+              </a:spcBef>
+              <a:spcAft>
+                <a:spcPts val="0"/>
+              </a:spcAft>
+              <a:buNone/>
+            </a:pPr>
+            <a:r>
+              <a:rPr b="1" lang="en-GB"/>
+              <a:t>Merchants</a:t>
+            </a:r>
+            <a:endParaRPr b="1"/>
+          </a:p>
+          <a:p>
+            <a:pPr indent="-317500" lvl="0" marL="457200" rtl="0" algn="l">
+              <a:lnSpc>
+                <a:spcPct val="100000"/>
+              </a:lnSpc>
+              <a:spcBef>
+                <a:spcPts val="0"/>
+              </a:spcBef>
+              <a:spcAft>
+                <a:spcPts val="0"/>
+              </a:spcAft>
+              <a:buSzPts val="1400"/>
+              <a:buChar char="●"/>
+            </a:pPr>
+            <a:r>
+              <a:rPr lang="en-GB"/>
+              <a:t>Object ID</a:t>
+            </a:r>
+            <a:endParaRPr/>
+          </a:p>
+          <a:p>
+            <a:pPr indent="-317500" lvl="0" marL="457200" rtl="0" algn="l">
+              <a:lnSpc>
+                <a:spcPct val="100000"/>
+              </a:lnSpc>
+              <a:spcBef>
+                <a:spcPts val="0"/>
+              </a:spcBef>
+              <a:spcAft>
+                <a:spcPts val="0"/>
+              </a:spcAft>
+              <a:buSzPts val="1400"/>
+              <a:buChar char="●"/>
+            </a:pPr>
+            <a:r>
+              <a:rPr lang="en-GB"/>
+              <a:t>Company Name</a:t>
+            </a:r>
+            <a:endParaRPr/>
+          </a:p>
+          <a:p>
+            <a:pPr indent="-317500" lvl="0" marL="457200" rtl="0" algn="l">
+              <a:lnSpc>
+                <a:spcPct val="100000"/>
+              </a:lnSpc>
+              <a:spcBef>
+                <a:spcPts val="0"/>
+              </a:spcBef>
+              <a:spcAft>
+                <a:spcPts val="0"/>
+              </a:spcAft>
+              <a:buSzPts val="1400"/>
+              <a:buChar char="●"/>
+            </a:pPr>
+            <a:r>
+              <a:rPr lang="en-GB"/>
+              <a:t>Company Email</a:t>
+            </a:r>
+            <a:endParaRPr/>
+          </a:p>
+          <a:p>
+            <a:pPr indent="-317500" lvl="0" marL="457200" rtl="0" algn="l">
+              <a:lnSpc>
+                <a:spcPct val="100000"/>
+              </a:lnSpc>
+              <a:spcBef>
+                <a:spcPts val="0"/>
+              </a:spcBef>
+              <a:spcAft>
+                <a:spcPts val="0"/>
+              </a:spcAft>
+              <a:buSzPts val="1400"/>
+              <a:buChar char="●"/>
+            </a:pPr>
+            <a:r>
+              <a:rPr lang="en-GB"/>
+              <a:t>Phone Number</a:t>
+            </a:r>
+            <a:endParaRPr/>
+          </a:p>
+          <a:p>
+            <a:pPr indent="0" lvl="0" marL="0" rtl="0" algn="l">
+              <a:lnSpc>
+                <a:spcPct val="100000"/>
+              </a:lnSpc>
+              <a:spcBef>
+                <a:spcPts val="0"/>
+              </a:spcBef>
+              <a:spcAft>
+                <a:spcPts val="0"/>
+              </a:spcAft>
+              <a:buNone/>
+            </a:pPr>
+            <a:r>
+              <a:t/>
+            </a:r>
+            <a:endParaRPr/>
+          </a:p>
+          <a:p>
+            <a:pPr indent="0" lvl="0" marL="0" rtl="0" algn="l">
+              <a:lnSpc>
+                <a:spcPct val="100000"/>
+              </a:lnSpc>
+              <a:spcBef>
+                <a:spcPts val="0"/>
+              </a:spcBef>
+              <a:spcAft>
+                <a:spcPts val="0"/>
+              </a:spcAft>
+              <a:buNone/>
+            </a:pPr>
+            <a:r>
+              <a:t/>
+            </a:r>
+            <a:endParaRPr/>
+          </a:p>
+          <a:p>
+            <a:pPr indent="0" lvl="0" marL="0" rtl="0" algn="l">
+              <a:lnSpc>
+                <a:spcPct val="100000"/>
+              </a:lnSpc>
+              <a:spcBef>
+                <a:spcPts val="0"/>
+              </a:spcBef>
+              <a:spcAft>
+                <a:spcPts val="0"/>
+              </a:spcAft>
+              <a:buNone/>
+            </a:pPr>
+            <a:r>
+              <a:t/>
+            </a:r>
+            <a:endParaRPr/>
+          </a:p>
+        </p:txBody>
+      </p:sp>
+      <p:sp>
+        <p:nvSpPr>
+          <p:cNvPr id="176" name="Google Shape;176;g24b59ea4641_0_106"/>
+          <p:cNvSpPr txBox="1"/>
+          <p:nvPr>
+            <p:ph idx="2" type="title"/>
+          </p:nvPr>
+        </p:nvSpPr>
+        <p:spPr>
+          <a:xfrm>
+            <a:off x="1092525" y="3539175"/>
+            <a:ext cx="3109800" cy="1319100"/>
+          </a:xfrm>
+          <a:prstGeom prst="rect">
+            <a:avLst/>
+          </a:prstGeom>
+          <a:noFill/>
+          <a:ln>
+            <a:noFill/>
+          </a:ln>
+        </p:spPr>
+        <p:txBody>
+          <a:bodyPr anchorCtr="0" anchor="t" bIns="91425" lIns="91425" spcFirstLastPara="1" rIns="91425" wrap="square" tIns="91425">
+            <a:noAutofit/>
+          </a:bodyPr>
+          <a:lstStyle/>
+          <a:p>
+            <a:pPr indent="0" lvl="0" marL="0" rtl="0" algn="l">
+              <a:lnSpc>
+                <a:spcPct val="100000"/>
+              </a:lnSpc>
+              <a:spcBef>
+                <a:spcPts val="0"/>
+              </a:spcBef>
+              <a:spcAft>
+                <a:spcPts val="0"/>
+              </a:spcAft>
+              <a:buNone/>
+            </a:pPr>
+            <a:r>
+              <a:rPr b="1" lang="en-GB"/>
+              <a:t>Users Transactions</a:t>
+            </a:r>
+            <a:endParaRPr b="1"/>
+          </a:p>
+          <a:p>
+            <a:pPr indent="-317500" lvl="0" marL="457200" rtl="0" algn="l">
+              <a:lnSpc>
+                <a:spcPct val="100000"/>
+              </a:lnSpc>
+              <a:spcBef>
+                <a:spcPts val="0"/>
+              </a:spcBef>
+              <a:spcAft>
+                <a:spcPts val="0"/>
+              </a:spcAft>
+              <a:buSzPts val="1400"/>
+              <a:buChar char="●"/>
+            </a:pPr>
+            <a:r>
+              <a:rPr lang="en-GB"/>
+              <a:t>Object ID</a:t>
+            </a:r>
+            <a:endParaRPr/>
+          </a:p>
+          <a:p>
+            <a:pPr indent="-317500" lvl="0" marL="457200" rtl="0" algn="l">
+              <a:lnSpc>
+                <a:spcPct val="100000"/>
+              </a:lnSpc>
+              <a:spcBef>
+                <a:spcPts val="0"/>
+              </a:spcBef>
+              <a:spcAft>
+                <a:spcPts val="0"/>
+              </a:spcAft>
+              <a:buSzPts val="1400"/>
+              <a:buChar char="●"/>
+            </a:pPr>
+            <a:r>
+              <a:rPr lang="en-GB"/>
+              <a:t>User Object ID</a:t>
+            </a:r>
+            <a:endParaRPr/>
+          </a:p>
+          <a:p>
+            <a:pPr indent="-317500" lvl="0" marL="457200" rtl="0" algn="l">
+              <a:lnSpc>
+                <a:spcPct val="100000"/>
+              </a:lnSpc>
+              <a:spcBef>
+                <a:spcPts val="0"/>
+              </a:spcBef>
+              <a:spcAft>
+                <a:spcPts val="0"/>
+              </a:spcAft>
+              <a:buSzPts val="1400"/>
+              <a:buChar char="●"/>
+            </a:pPr>
+            <a:r>
+              <a:rPr lang="en-GB"/>
+              <a:t>Type (Add/Deduct)</a:t>
+            </a:r>
+            <a:endParaRPr/>
+          </a:p>
+          <a:p>
+            <a:pPr indent="-317500" lvl="0" marL="457200" rtl="0" algn="l">
+              <a:lnSpc>
+                <a:spcPct val="100000"/>
+              </a:lnSpc>
+              <a:spcBef>
+                <a:spcPts val="0"/>
+              </a:spcBef>
+              <a:spcAft>
+                <a:spcPts val="0"/>
+              </a:spcAft>
+              <a:buSzPts val="1400"/>
+              <a:buChar char="●"/>
+            </a:pPr>
+            <a:r>
+              <a:rPr lang="en-GB"/>
+              <a:t>Timestamp</a:t>
+            </a:r>
+            <a:endParaRPr/>
+          </a:p>
+          <a:p>
+            <a:pPr indent="-317500" lvl="0" marL="457200" rtl="0" algn="l">
+              <a:lnSpc>
+                <a:spcPct val="100000"/>
+              </a:lnSpc>
+              <a:spcBef>
+                <a:spcPts val="0"/>
+              </a:spcBef>
+              <a:spcAft>
+                <a:spcPts val="0"/>
+              </a:spcAft>
+              <a:buSzPts val="1400"/>
+              <a:buChar char="●"/>
+            </a:pPr>
+            <a:r>
+              <a:rPr lang="en-GB"/>
+              <a:t>Amount</a:t>
+            </a:r>
+            <a:endParaRPr/>
+          </a:p>
+          <a:p>
+            <a:pPr indent="0" lvl="0" marL="0" rtl="0" algn="l">
+              <a:lnSpc>
+                <a:spcPct val="100000"/>
+              </a:lnSpc>
+              <a:spcBef>
+                <a:spcPts val="0"/>
+              </a:spcBef>
+              <a:spcAft>
+                <a:spcPts val="0"/>
+              </a:spcAft>
+              <a:buNone/>
+            </a:pPr>
+            <a:r>
+              <a:t/>
+            </a:r>
+            <a:endParaRPr/>
+          </a:p>
+          <a:p>
+            <a:pPr indent="0" lvl="0" marL="0" rtl="0" algn="l">
+              <a:lnSpc>
+                <a:spcPct val="100000"/>
+              </a:lnSpc>
+              <a:spcBef>
+                <a:spcPts val="0"/>
+              </a:spcBef>
+              <a:spcAft>
+                <a:spcPts val="0"/>
+              </a:spcAft>
+              <a:buNone/>
+            </a:pPr>
+            <a:r>
+              <a:t/>
+            </a:r>
+            <a:endParaRPr/>
+          </a:p>
+        </p:txBody>
+      </p:sp>
+      <p:sp>
+        <p:nvSpPr>
+          <p:cNvPr id="177" name="Google Shape;177;g24b59ea4641_0_106"/>
+          <p:cNvSpPr txBox="1"/>
+          <p:nvPr>
+            <p:ph idx="2" type="title"/>
+          </p:nvPr>
+        </p:nvSpPr>
+        <p:spPr>
+          <a:xfrm>
+            <a:off x="3214575" y="3539175"/>
+            <a:ext cx="3778800" cy="1319100"/>
+          </a:xfrm>
+          <a:prstGeom prst="rect">
+            <a:avLst/>
+          </a:prstGeom>
+          <a:noFill/>
+          <a:ln>
+            <a:noFill/>
+          </a:ln>
+        </p:spPr>
+        <p:txBody>
+          <a:bodyPr anchorCtr="0" anchor="t" bIns="91425" lIns="91425" spcFirstLastPara="1" rIns="91425" wrap="square" tIns="91425">
+            <a:noAutofit/>
+          </a:bodyPr>
+          <a:lstStyle/>
+          <a:p>
+            <a:pPr indent="0" lvl="0" marL="0" rtl="0" algn="l">
+              <a:lnSpc>
+                <a:spcPct val="100000"/>
+              </a:lnSpc>
+              <a:spcBef>
+                <a:spcPts val="0"/>
+              </a:spcBef>
+              <a:spcAft>
+                <a:spcPts val="0"/>
+              </a:spcAft>
+              <a:buNone/>
+            </a:pPr>
+            <a:r>
+              <a:rPr b="1" lang="en-GB"/>
+              <a:t>Merchant Transactions</a:t>
+            </a:r>
+            <a:endParaRPr b="1"/>
+          </a:p>
+          <a:p>
+            <a:pPr indent="-317500" lvl="0" marL="457200" rtl="0" algn="l">
+              <a:lnSpc>
+                <a:spcPct val="100000"/>
+              </a:lnSpc>
+              <a:spcBef>
+                <a:spcPts val="0"/>
+              </a:spcBef>
+              <a:spcAft>
+                <a:spcPts val="0"/>
+              </a:spcAft>
+              <a:buSzPts val="1400"/>
+              <a:buChar char="●"/>
+            </a:pPr>
+            <a:r>
+              <a:rPr lang="en-GB"/>
+              <a:t>Object ID</a:t>
+            </a:r>
+            <a:endParaRPr/>
+          </a:p>
+          <a:p>
+            <a:pPr indent="-317500" lvl="0" marL="457200" rtl="0" algn="l">
+              <a:lnSpc>
+                <a:spcPct val="100000"/>
+              </a:lnSpc>
+              <a:spcBef>
+                <a:spcPts val="0"/>
+              </a:spcBef>
+              <a:spcAft>
+                <a:spcPts val="0"/>
+              </a:spcAft>
+              <a:buSzPts val="1400"/>
+              <a:buChar char="●"/>
+            </a:pPr>
+            <a:r>
+              <a:rPr lang="en-GB"/>
+              <a:t>Merchant Object ID</a:t>
+            </a:r>
+            <a:endParaRPr/>
+          </a:p>
+          <a:p>
+            <a:pPr indent="-317500" lvl="0" marL="457200" rtl="0" algn="l">
+              <a:lnSpc>
+                <a:spcPct val="100000"/>
+              </a:lnSpc>
+              <a:spcBef>
+                <a:spcPts val="0"/>
+              </a:spcBef>
+              <a:spcAft>
+                <a:spcPts val="0"/>
+              </a:spcAft>
+              <a:buSzPts val="1400"/>
+              <a:buChar char="●"/>
+            </a:pPr>
+            <a:r>
+              <a:rPr lang="en-GB"/>
+              <a:t>Timestamp</a:t>
+            </a:r>
+            <a:endParaRPr/>
+          </a:p>
+          <a:p>
+            <a:pPr indent="-317500" lvl="0" marL="457200" rtl="0" algn="l">
+              <a:lnSpc>
+                <a:spcPct val="100000"/>
+              </a:lnSpc>
+              <a:spcBef>
+                <a:spcPts val="0"/>
+              </a:spcBef>
+              <a:spcAft>
+                <a:spcPts val="0"/>
+              </a:spcAft>
+              <a:buSzPts val="1400"/>
+              <a:buChar char="●"/>
+            </a:pPr>
+            <a:r>
+              <a:rPr lang="en-GB"/>
+              <a:t>Amount</a:t>
+            </a:r>
+            <a:endParaRPr/>
+          </a:p>
+          <a:p>
+            <a:pPr indent="0" lvl="0" marL="0" rtl="0" algn="l">
+              <a:lnSpc>
+                <a:spcPct val="100000"/>
+              </a:lnSpc>
+              <a:spcBef>
+                <a:spcPts val="0"/>
+              </a:spcBef>
+              <a:spcAft>
+                <a:spcPts val="0"/>
+              </a:spcAft>
+              <a:buNone/>
+            </a:pPr>
+            <a:r>
+              <a:t/>
+            </a:r>
+            <a:endParaRPr/>
+          </a:p>
+          <a:p>
+            <a:pPr indent="0" lvl="0" marL="0" rtl="0" algn="l">
+              <a:lnSpc>
+                <a:spcPct val="100000"/>
+              </a:lnSpc>
+              <a:spcBef>
+                <a:spcPts val="0"/>
+              </a:spcBef>
+              <a:spcAft>
+                <a:spcPts val="0"/>
+              </a:spcAft>
+              <a:buNone/>
+            </a:pPr>
+            <a:r>
+              <a:t/>
+            </a:r>
+            <a:endParaRPr/>
+          </a:p>
+        </p:txBody>
+      </p:sp>
+    </p:spTree>
+  </p:cSld>
+  <p:clrMapOvr>
+    <a:masterClrMapping/>
+  </p:clrMapOvr>
+</p:sld>
+</file>
+
+<file path=ppt/slides/slide22.xml><?xml version="1.0" encoding="utf-8"?>
+<p:sld xmlns:a="http://schemas.openxmlformats.org/drawingml/2006/main" xmlns:r="http://schemas.openxmlformats.org/officeDocument/2006/relationships" xmlns:mc="http://schemas.openxmlformats.org/markup-compatibility/2006" xmlns:mv="urn:schemas-microsoft-com:mac:vml" xmlns:p="http://schemas.openxmlformats.org/presentationml/2006/main" xmlns:c="http://schemas.openxmlformats.org/drawingml/2006/chart" xmlns:dgm="http://schemas.openxmlformats.org/drawingml/2006/diagram" xmlns:o="urn:schemas-microsoft-com:office:office" xmlns:v="urn:schemas-microsoft-com:vml" xmlns:pvml="urn:schemas-microsoft-com:office:powerpoint" xmlns:com="http://schemas.openxmlformats.org/drawingml/2006/compatibility" xmlns:p14="http://schemas.microsoft.com/office/powerpoint/2010/main" xmlns:p15="http://schemas.microsoft.com/office/powerpoint/2012/main" xmlns:ahyp="http://schemas.microsoft.com/office/drawing/2018/hyperlinkcolor">
+  <p:cSld>
+    <p:spTree>
+      <p:nvGrpSpPr>
+        <p:cNvPr id="181" name="Shape 181"/>
+        <p:cNvGrpSpPr/>
+        <p:nvPr/>
+      </p:nvGrpSpPr>
+      <p:grpSpPr>
+        <a:xfrm>
+          <a:off x="0" y="0"/>
+          <a:ext cx="0" cy="0"/>
+          <a:chOff x="0" y="0"/>
+          <a:chExt cx="0" cy="0"/>
+        </a:xfrm>
+      </p:grpSpPr>
+      <p:sp>
+        <p:nvSpPr>
+          <p:cNvPr id="182" name="Google Shape;182;p37"/>
           <p:cNvSpPr txBox="1"/>
           <p:nvPr>
             <p:ph type="title"/>
@@ -13373,12 +13548,12 @@
 </p:sld>
 </file>
 
-<file path=ppt/slides/slide21.xml><?xml version="1.0" encoding="utf-8"?>
+<file path=ppt/slides/slide23.xml><?xml version="1.0" encoding="utf-8"?>
 <p:sld xmlns:a="http://schemas.openxmlformats.org/drawingml/2006/main" xmlns:r="http://schemas.openxmlformats.org/officeDocument/2006/relationships" xmlns:mc="http://schemas.openxmlformats.org/markup-compatibility/2006" xmlns:mv="urn:schemas-microsoft-com:mac:vml" xmlns:p="http://schemas.openxmlformats.org/presentationml/2006/main" xmlns:c="http://schemas.openxmlformats.org/drawingml/2006/chart" xmlns:dgm="http://schemas.openxmlformats.org/drawingml/2006/diagram" xmlns:o="urn:schemas-microsoft-com:office:office" xmlns:v="urn:schemas-microsoft-com:vml" xmlns:pvml="urn:schemas-microsoft-com:office:powerpoint" xmlns:com="http://schemas.openxmlformats.org/drawingml/2006/compatibility" xmlns:p14="http://schemas.microsoft.com/office/powerpoint/2010/main" xmlns:p15="http://schemas.microsoft.com/office/powerpoint/2012/main" xmlns:ahyp="http://schemas.microsoft.com/office/drawing/2018/hyperlinkcolor">
   <p:cSld>
     <p:spTree>
       <p:nvGrpSpPr>
-        <p:cNvPr id="173" name="Shape 173"/>
+        <p:cNvPr id="186" name="Shape 186"/>
         <p:cNvGrpSpPr/>
         <p:nvPr/>
       </p:nvGrpSpPr>
@@ -13392,7 +13567,7 @@
       </p:grpSpPr>
       <p:sp>
         <p:nvSpPr>
-          <p:cNvPr id="174" name="Google Shape;174;p38"/>
+          <p:cNvPr id="187" name="Google Shape;187;p38"/>
           <p:cNvSpPr txBox="1"/>
           <p:nvPr>
             <p:ph type="title"/>
@@ -13625,12 +13800,12 @@
 </p:sld>
 </file>
 
-<file path=ppt/slides/slide22.xml><?xml version="1.0" encoding="utf-8"?>
+<file path=ppt/slides/slide24.xml><?xml version="1.0" encoding="utf-8"?>
 <p:sld xmlns:a="http://schemas.openxmlformats.org/drawingml/2006/main" xmlns:r="http://schemas.openxmlformats.org/officeDocument/2006/relationships" xmlns:mc="http://schemas.openxmlformats.org/markup-compatibility/2006" xmlns:mv="urn:schemas-microsoft-com:mac:vml" xmlns:p="http://schemas.openxmlformats.org/presentationml/2006/main" xmlns:c="http://schemas.openxmlformats.org/drawingml/2006/chart" xmlns:dgm="http://schemas.openxmlformats.org/drawingml/2006/diagram" xmlns:o="urn:schemas-microsoft-com:office:office" xmlns:v="urn:schemas-microsoft-com:vml" xmlns:pvml="urn:schemas-microsoft-com:office:powerpoint" xmlns:com="http://schemas.openxmlformats.org/drawingml/2006/compatibility" xmlns:p14="http://schemas.microsoft.com/office/powerpoint/2010/main" xmlns:p15="http://schemas.microsoft.com/office/powerpoint/2012/main" xmlns:ahyp="http://schemas.microsoft.com/office/drawing/2018/hyperlinkcolor">
   <p:cSld>
     <p:spTree>
       <p:nvGrpSpPr>
-        <p:cNvPr id="178" name="Shape 178"/>
+        <p:cNvPr id="191" name="Shape 191"/>
         <p:cNvGrpSpPr/>
         <p:nvPr/>
       </p:nvGrpSpPr>
@@ -13644,7 +13819,7 @@
       </p:grpSpPr>
       <p:sp>
         <p:nvSpPr>
-          <p:cNvPr id="179" name="Google Shape;179;p39"/>
+          <p:cNvPr id="192" name="Google Shape;192;p39"/>
           <p:cNvSpPr txBox="1"/>
           <p:nvPr>
             <p:ph type="title"/>
@@ -13698,12 +13873,12 @@
 </p:sld>
 </file>
 
-<file path=ppt/slides/slide23.xml><?xml version="1.0" encoding="utf-8"?>
+<file path=ppt/slides/slide25.xml><?xml version="1.0" encoding="utf-8"?>
 <p:sld xmlns:a="http://schemas.openxmlformats.org/drawingml/2006/main" xmlns:r="http://schemas.openxmlformats.org/officeDocument/2006/relationships" xmlns:mc="http://schemas.openxmlformats.org/markup-compatibility/2006" xmlns:mv="urn:schemas-microsoft-com:mac:vml" xmlns:p="http://schemas.openxmlformats.org/presentationml/2006/main" xmlns:c="http://schemas.openxmlformats.org/drawingml/2006/chart" xmlns:dgm="http://schemas.openxmlformats.org/drawingml/2006/diagram" xmlns:o="urn:schemas-microsoft-com:office:office" xmlns:v="urn:schemas-microsoft-com:vml" xmlns:pvml="urn:schemas-microsoft-com:office:powerpoint" xmlns:com="http://schemas.openxmlformats.org/drawingml/2006/compatibility" xmlns:p14="http://schemas.microsoft.com/office/powerpoint/2010/main" xmlns:p15="http://schemas.microsoft.com/office/powerpoint/2012/main" xmlns:ahyp="http://schemas.microsoft.com/office/drawing/2018/hyperlinkcolor">
   <p:cSld>
     <p:spTree>
       <p:nvGrpSpPr>
-        <p:cNvPr id="183" name="Shape 183"/>
+        <p:cNvPr id="196" name="Shape 196"/>
         <p:cNvGrpSpPr/>
         <p:nvPr/>
       </p:nvGrpSpPr>
@@ -13717,7 +13892,7 @@
       </p:grpSpPr>
       <p:sp>
         <p:nvSpPr>
-          <p:cNvPr id="184" name="Google Shape;184;p40"/>
+          <p:cNvPr id="197" name="Google Shape;197;p40"/>
           <p:cNvSpPr txBox="1"/>
           <p:nvPr>
             <p:ph type="title"/>
@@ -13774,7 +13949,7 @@
       </p:sp>
       <p:sp>
         <p:nvSpPr>
-          <p:cNvPr id="185" name="Google Shape;185;p40"/>
+          <p:cNvPr id="198" name="Google Shape;198;p40"/>
           <p:cNvSpPr txBox="1"/>
           <p:nvPr>
             <p:ph idx="2" type="title"/>
@@ -13833,12 +14008,12 @@
 </p:sld>
 </file>
 
-<file path=ppt/slides/slide24.xml><?xml version="1.0" encoding="utf-8"?>
+<file path=ppt/slides/slide26.xml><?xml version="1.0" encoding="utf-8"?>
 <p:sld xmlns:a="http://schemas.openxmlformats.org/drawingml/2006/main" xmlns:r="http://schemas.openxmlformats.org/officeDocument/2006/relationships" xmlns:mc="http://schemas.openxmlformats.org/markup-compatibility/2006" xmlns:mv="urn:schemas-microsoft-com:mac:vml" xmlns:p="http://schemas.openxmlformats.org/presentationml/2006/main" xmlns:c="http://schemas.openxmlformats.org/drawingml/2006/chart" xmlns:dgm="http://schemas.openxmlformats.org/drawingml/2006/diagram" xmlns:o="urn:schemas-microsoft-com:office:office" xmlns:v="urn:schemas-microsoft-com:vml" xmlns:pvml="urn:schemas-microsoft-com:office:powerpoint" xmlns:com="http://schemas.openxmlformats.org/drawingml/2006/compatibility" xmlns:p14="http://schemas.microsoft.com/office/powerpoint/2010/main" xmlns:p15="http://schemas.microsoft.com/office/powerpoint/2012/main" xmlns:ahyp="http://schemas.microsoft.com/office/drawing/2018/hyperlinkcolor">
   <p:cSld>
     <p:spTree>
       <p:nvGrpSpPr>
-        <p:cNvPr id="189" name="Shape 189"/>
+        <p:cNvPr id="202" name="Shape 202"/>
         <p:cNvGrpSpPr/>
         <p:nvPr/>
       </p:nvGrpSpPr>
@@ -13852,7 +14027,7 @@
       </p:grpSpPr>
       <p:sp>
         <p:nvSpPr>
-          <p:cNvPr id="190" name="Google Shape;190;p41"/>
+          <p:cNvPr id="203" name="Google Shape;203;p41"/>
           <p:cNvSpPr txBox="1"/>
           <p:nvPr>
             <p:ph type="title"/>
@@ -13900,7 +14075,7 @@
       </p:sp>
       <p:sp>
         <p:nvSpPr>
-          <p:cNvPr id="191" name="Google Shape;191;p41"/>
+          <p:cNvPr id="204" name="Google Shape;204;p41"/>
           <p:cNvSpPr txBox="1"/>
           <p:nvPr>
             <p:ph idx="2" type="title"/>
